--- a/springboard/Capstone Three/HomeCreditGroup-LoanDefaulterPrediction-SlideDeck.pptx
+++ b/springboard/Capstone Three/HomeCreditGroup-LoanDefaulterPrediction-SlideDeck.pptx
@@ -26,11 +26,11 @@
     <p:sldId id="269" r:id="rId14"/>
     <p:sldId id="270" r:id="rId15"/>
     <p:sldId id="271" r:id="rId16"/>
-    <p:sldId id="272" r:id="rId17"/>
-    <p:sldId id="284" r:id="rId18"/>
-    <p:sldId id="285" r:id="rId19"/>
-    <p:sldId id="280" r:id="rId20"/>
-    <p:sldId id="283" r:id="rId21"/>
+    <p:sldId id="284" r:id="rId17"/>
+    <p:sldId id="286" r:id="rId18"/>
+    <p:sldId id="283" r:id="rId19"/>
+    <p:sldId id="287" r:id="rId20"/>
+    <p:sldId id="280" r:id="rId21"/>
     <p:sldId id="274" r:id="rId22"/>
     <p:sldId id="275" r:id="rId23"/>
     <p:sldId id="276" r:id="rId24"/>
@@ -9078,7 +9078,7 @@
           <a:p>
             <a:fld id="{AD6C6F9B-83FE-4B65-994A-7B9E65EE3290}" type="datetimeFigureOut">
               <a:rPr lang="en-CA" smtClean="0"/>
-              <a:t>2020-09-09</a:t>
+              <a:t>2020-09-15</a:t>
             </a:fld>
             <a:endParaRPr lang="en-CA"/>
           </a:p>
@@ -10449,6 +10449,11 @@
         </p:txBody>
       </p:sp>
     </p:spTree>
+    <p:extLst>
+      <p:ext uri="{BB962C8B-B14F-4D97-AF65-F5344CB8AC3E}">
+        <p14:creationId xmlns:p14="http://schemas.microsoft.com/office/powerpoint/2010/main" val="1703982938"/>
+      </p:ext>
+    </p:extLst>
   </p:cSld>
   <p:clrMapOvr>
     <a:masterClrMapping/>
@@ -10555,7 +10560,7 @@
     </p:spTree>
     <p:extLst>
       <p:ext uri="{BB962C8B-B14F-4D97-AF65-F5344CB8AC3E}">
-        <p14:creationId xmlns:p14="http://schemas.microsoft.com/office/powerpoint/2010/main" val="1703982938"/>
+        <p14:creationId xmlns:p14="http://schemas.microsoft.com/office/powerpoint/2010/main" val="272843382"/>
       </p:ext>
     </p:extLst>
   </p:cSld>
@@ -10664,7 +10669,7 @@
     </p:spTree>
     <p:extLst>
       <p:ext uri="{BB962C8B-B14F-4D97-AF65-F5344CB8AC3E}">
-        <p14:creationId xmlns:p14="http://schemas.microsoft.com/office/powerpoint/2010/main" val="1764080563"/>
+        <p14:creationId xmlns:p14="http://schemas.microsoft.com/office/powerpoint/2010/main" val="2323268467"/>
       </p:ext>
     </p:extLst>
   </p:cSld>
@@ -10679,7 +10684,7 @@
   <p:cSld>
     <p:spTree>
       <p:nvGrpSpPr>
-        <p:cNvPr id="1" name="Shape 538"/>
+        <p:cNvPr id="1" name="Shape 526"/>
         <p:cNvGrpSpPr/>
         <p:nvPr/>
       </p:nvGrpSpPr>
@@ -10693,7 +10698,7 @@
       </p:grpSpPr>
       <p:sp>
         <p:nvSpPr>
-          <p:cNvPr id="539" name="Google Shape;539;g4cc793c6e9_0_1636:notes"/>
+          <p:cNvPr id="527" name="Google Shape;527;g4cc793c6e9_0_884:notes"/>
           <p:cNvSpPr>
             <a:spLocks noGrp="1" noRot="1" noChangeAspect="1"/>
           </p:cNvSpPr>
@@ -10734,7 +10739,7 @@
       </p:sp>
       <p:sp>
         <p:nvSpPr>
-          <p:cNvPr id="540" name="Google Shape;540;g4cc793c6e9_0_1636:notes"/>
+          <p:cNvPr id="528" name="Google Shape;528;g4cc793c6e9_0_884:notes"/>
           <p:cNvSpPr txBox="1">
             <a:spLocks noGrp="1"/>
           </p:cNvSpPr>
@@ -10766,118 +10771,6 @@
               </a:spcAft>
               <a:buNone/>
             </a:pPr>
-            <a:r>
-              <a:rPr lang="en"/>
-              <a:t>Linear Regression - MPM</a:t>
-            </a:r>
-            <a:endParaRPr/>
-          </a:p>
-          <a:p>
-            <a:pPr marL="0" lvl="0" indent="0" algn="l" rtl="0">
-              <a:spcBef>
-                <a:spcPts val="0"/>
-              </a:spcBef>
-              <a:spcAft>
-                <a:spcPts val="0"/>
-              </a:spcAft>
-              <a:buNone/>
-            </a:pPr>
-            <a:r>
-              <a:rPr lang="en"/>
-              <a:t>t2_sat_area(microns2) = 2.514793e-04</a:t>
-            </a:r>
-            <a:endParaRPr/>
-          </a:p>
-          <a:p>
-            <a:pPr marL="0" lvl="0" indent="0" algn="l" rtl="0">
-              <a:spcBef>
-                <a:spcPts val="0"/>
-              </a:spcBef>
-              <a:spcAft>
-                <a:spcPts val="0"/>
-              </a:spcAft>
-              <a:buNone/>
-            </a:pPr>
-            <a:r>
-              <a:rPr lang="en"/>
-              <a:t>int_s_avg_5(counts/ms) = 1.243470e-04</a:t>
-            </a:r>
-            <a:endParaRPr/>
-          </a:p>
-          <a:p>
-            <a:pPr marL="0" lvl="0" indent="0" algn="l" rtl="0">
-              <a:spcBef>
-                <a:spcPts val="0"/>
-              </a:spcBef>
-              <a:spcAft>
-                <a:spcPts val="0"/>
-              </a:spcAft>
-              <a:buNone/>
-            </a:pPr>
-            <a:endParaRPr/>
-          </a:p>
-          <a:p>
-            <a:pPr marL="0" lvl="0" indent="0" algn="l" rtl="0">
-              <a:spcBef>
-                <a:spcPts val="0"/>
-              </a:spcBef>
-              <a:spcAft>
-                <a:spcPts val="0"/>
-              </a:spcAft>
-              <a:buNone/>
-            </a:pPr>
-            <a:r>
-              <a:rPr lang="en"/>
-              <a:t>Random Forest - MPM</a:t>
-            </a:r>
-            <a:endParaRPr/>
-          </a:p>
-          <a:p>
-            <a:pPr marL="0" lvl="0" indent="0" algn="l" rtl="0">
-              <a:spcBef>
-                <a:spcPts val="0"/>
-              </a:spcBef>
-              <a:spcAft>
-                <a:spcPts val="0"/>
-              </a:spcAft>
-              <a:buNone/>
-            </a:pPr>
-            <a:r>
-              <a:rPr lang="en"/>
-              <a:t>Tree = 3</a:t>
-            </a:r>
-            <a:endParaRPr/>
-          </a:p>
-          <a:p>
-            <a:pPr marL="0" lvl="0" indent="0" algn="l" rtl="0">
-              <a:spcBef>
-                <a:spcPts val="0"/>
-              </a:spcBef>
-              <a:spcAft>
-                <a:spcPts val="0"/>
-              </a:spcAft>
-              <a:buNone/>
-            </a:pPr>
-            <a:r>
-              <a:rPr lang="en"/>
-              <a:t>t2_sat_num(-) = 0.64</a:t>
-            </a:r>
-            <a:endParaRPr/>
-          </a:p>
-          <a:p>
-            <a:pPr marL="0" lvl="0" indent="0" algn="l" rtl="0">
-              <a:spcBef>
-                <a:spcPts val="0"/>
-              </a:spcBef>
-              <a:spcAft>
-                <a:spcPts val="0"/>
-              </a:spcAft>
-              <a:buNone/>
-            </a:pPr>
-            <a:r>
-              <a:rPr lang="en"/>
-              <a:t>int_s_p(counts/ms) = 0.33</a:t>
-            </a:r>
             <a:endParaRPr/>
           </a:p>
         </p:txBody>
@@ -10885,7 +10778,7 @@
     </p:spTree>
     <p:extLst>
       <p:ext uri="{BB962C8B-B14F-4D97-AF65-F5344CB8AC3E}">
-        <p14:creationId xmlns:p14="http://schemas.microsoft.com/office/powerpoint/2010/main" val="2071838712"/>
+        <p14:creationId xmlns:p14="http://schemas.microsoft.com/office/powerpoint/2010/main" val="3647561642"/>
       </p:ext>
     </p:extLst>
   </p:cSld>
@@ -11004,7 +10897,7 @@
   <p:cSld>
     <p:spTree>
       <p:nvGrpSpPr>
-        <p:cNvPr id="1" name="Shape 526"/>
+        <p:cNvPr id="1" name="Shape 538"/>
         <p:cNvGrpSpPr/>
         <p:nvPr/>
       </p:nvGrpSpPr>
@@ -11018,7 +10911,7 @@
       </p:grpSpPr>
       <p:sp>
         <p:nvSpPr>
-          <p:cNvPr id="527" name="Google Shape;527;g4cc793c6e9_0_884:notes"/>
+          <p:cNvPr id="539" name="Google Shape;539;g4cc793c6e9_0_1636:notes"/>
           <p:cNvSpPr>
             <a:spLocks noGrp="1" noRot="1" noChangeAspect="1"/>
           </p:cNvSpPr>
@@ -11059,7 +10952,7 @@
       </p:sp>
       <p:sp>
         <p:nvSpPr>
-          <p:cNvPr id="528" name="Google Shape;528;g4cc793c6e9_0_884:notes"/>
+          <p:cNvPr id="540" name="Google Shape;540;g4cc793c6e9_0_1636:notes"/>
           <p:cNvSpPr txBox="1">
             <a:spLocks noGrp="1"/>
           </p:cNvSpPr>
@@ -11091,6 +10984,118 @@
               </a:spcAft>
               <a:buNone/>
             </a:pPr>
+            <a:r>
+              <a:rPr lang="en"/>
+              <a:t>Linear Regression - MPM</a:t>
+            </a:r>
+            <a:endParaRPr/>
+          </a:p>
+          <a:p>
+            <a:pPr marL="0" lvl="0" indent="0" algn="l" rtl="0">
+              <a:spcBef>
+                <a:spcPts val="0"/>
+              </a:spcBef>
+              <a:spcAft>
+                <a:spcPts val="0"/>
+              </a:spcAft>
+              <a:buNone/>
+            </a:pPr>
+            <a:r>
+              <a:rPr lang="en"/>
+              <a:t>t2_sat_area(microns2) = 2.514793e-04</a:t>
+            </a:r>
+            <a:endParaRPr/>
+          </a:p>
+          <a:p>
+            <a:pPr marL="0" lvl="0" indent="0" algn="l" rtl="0">
+              <a:spcBef>
+                <a:spcPts val="0"/>
+              </a:spcBef>
+              <a:spcAft>
+                <a:spcPts val="0"/>
+              </a:spcAft>
+              <a:buNone/>
+            </a:pPr>
+            <a:r>
+              <a:rPr lang="en"/>
+              <a:t>int_s_avg_5(counts/ms) = 1.243470e-04</a:t>
+            </a:r>
+            <a:endParaRPr/>
+          </a:p>
+          <a:p>
+            <a:pPr marL="0" lvl="0" indent="0" algn="l" rtl="0">
+              <a:spcBef>
+                <a:spcPts val="0"/>
+              </a:spcBef>
+              <a:spcAft>
+                <a:spcPts val="0"/>
+              </a:spcAft>
+              <a:buNone/>
+            </a:pPr>
+            <a:endParaRPr/>
+          </a:p>
+          <a:p>
+            <a:pPr marL="0" lvl="0" indent="0" algn="l" rtl="0">
+              <a:spcBef>
+                <a:spcPts val="0"/>
+              </a:spcBef>
+              <a:spcAft>
+                <a:spcPts val="0"/>
+              </a:spcAft>
+              <a:buNone/>
+            </a:pPr>
+            <a:r>
+              <a:rPr lang="en"/>
+              <a:t>Random Forest - MPM</a:t>
+            </a:r>
+            <a:endParaRPr/>
+          </a:p>
+          <a:p>
+            <a:pPr marL="0" lvl="0" indent="0" algn="l" rtl="0">
+              <a:spcBef>
+                <a:spcPts val="0"/>
+              </a:spcBef>
+              <a:spcAft>
+                <a:spcPts val="0"/>
+              </a:spcAft>
+              <a:buNone/>
+            </a:pPr>
+            <a:r>
+              <a:rPr lang="en"/>
+              <a:t>Tree = 3</a:t>
+            </a:r>
+            <a:endParaRPr/>
+          </a:p>
+          <a:p>
+            <a:pPr marL="0" lvl="0" indent="0" algn="l" rtl="0">
+              <a:spcBef>
+                <a:spcPts val="0"/>
+              </a:spcBef>
+              <a:spcAft>
+                <a:spcPts val="0"/>
+              </a:spcAft>
+              <a:buNone/>
+            </a:pPr>
+            <a:r>
+              <a:rPr lang="en"/>
+              <a:t>t2_sat_num(-) = 0.64</a:t>
+            </a:r>
+            <a:endParaRPr/>
+          </a:p>
+          <a:p>
+            <a:pPr marL="0" lvl="0" indent="0" algn="l" rtl="0">
+              <a:spcBef>
+                <a:spcPts val="0"/>
+              </a:spcBef>
+              <a:spcAft>
+                <a:spcPts val="0"/>
+              </a:spcAft>
+              <a:buNone/>
+            </a:pPr>
+            <a:r>
+              <a:rPr lang="en"/>
+              <a:t>int_s_p(counts/ms) = 0.33</a:t>
+            </a:r>
             <a:endParaRPr/>
           </a:p>
         </p:txBody>
@@ -11098,7 +11103,7 @@
     </p:spTree>
     <p:extLst>
       <p:ext uri="{BB962C8B-B14F-4D97-AF65-F5344CB8AC3E}">
-        <p14:creationId xmlns:p14="http://schemas.microsoft.com/office/powerpoint/2010/main" val="2323268467"/>
+        <p14:creationId xmlns:p14="http://schemas.microsoft.com/office/powerpoint/2010/main" val="2071838712"/>
       </p:ext>
     </p:extLst>
   </p:cSld>
@@ -28424,6 +28429,146 @@
           </p:txBody>
         </p:sp>
       </p:grpSp>
+      <p:grpSp>
+        <p:nvGrpSpPr>
+          <p:cNvPr id="26" name="Google Shape;511;p27">
+            <a:extLst>
+              <a:ext uri="{FF2B5EF4-FFF2-40B4-BE49-F238E27FC236}">
+                <a16:creationId xmlns:a16="http://schemas.microsoft.com/office/drawing/2014/main" id="{15E38E78-461C-4B5E-9016-A05FBA521993}"/>
+              </a:ext>
+            </a:extLst>
+          </p:cNvPr>
+          <p:cNvGrpSpPr/>
+          <p:nvPr/>
+        </p:nvGrpSpPr>
+        <p:grpSpPr>
+          <a:xfrm flipH="1">
+            <a:off x="2755269" y="3586886"/>
+            <a:ext cx="1498800" cy="1498800"/>
+            <a:chOff x="644203" y="3718814"/>
+            <a:chExt cx="1498800" cy="1498800"/>
+          </a:xfrm>
+        </p:grpSpPr>
+        <p:sp>
+          <p:nvSpPr>
+            <p:cNvPr id="27" name="Google Shape;512;p27">
+              <a:extLst>
+                <a:ext uri="{FF2B5EF4-FFF2-40B4-BE49-F238E27FC236}">
+                  <a16:creationId xmlns:a16="http://schemas.microsoft.com/office/drawing/2014/main" id="{5D637FA3-9127-4FEA-B311-B54673804D4F}"/>
+                </a:ext>
+              </a:extLst>
+            </p:cNvPr>
+            <p:cNvSpPr/>
+            <p:nvPr/>
+          </p:nvSpPr>
+          <p:spPr>
+            <a:xfrm>
+              <a:off x="644203" y="3718814"/>
+              <a:ext cx="1498800" cy="1498800"/>
+            </a:xfrm>
+            <a:prstGeom prst="ellipse">
+              <a:avLst/>
+            </a:prstGeom>
+            <a:solidFill>
+              <a:srgbClr val="666666"/>
+            </a:solidFill>
+            <a:ln>
+              <a:noFill/>
+            </a:ln>
+            <a:effectLst>
+              <a:outerShdw blurRad="228600" dist="50800" dir="5400000" algn="tl" rotWithShape="0">
+                <a:srgbClr val="000000">
+                  <a:alpha val="54900"/>
+                </a:srgbClr>
+              </a:outerShdw>
+            </a:effectLst>
+          </p:spPr>
+          <p:txBody>
+            <a:bodyPr spcFirstLastPara="1" wrap="square" lIns="91425" tIns="91425" rIns="91425" bIns="91425" anchor="ctr" anchorCtr="0">
+              <a:noAutofit/>
+            </a:bodyPr>
+            <a:lstStyle/>
+            <a:p>
+              <a:pPr marL="0" lvl="0" indent="0" algn="l" rtl="0">
+                <a:spcBef>
+                  <a:spcPts val="0"/>
+                </a:spcBef>
+                <a:spcAft>
+                  <a:spcPts val="0"/>
+                </a:spcAft>
+                <a:buNone/>
+              </a:pPr>
+              <a:endParaRPr/>
+            </a:p>
+          </p:txBody>
+        </p:sp>
+        <p:sp>
+          <p:nvSpPr>
+            <p:cNvPr id="28" name="Google Shape;513;p27">
+              <a:extLst>
+                <a:ext uri="{FF2B5EF4-FFF2-40B4-BE49-F238E27FC236}">
+                  <a16:creationId xmlns:a16="http://schemas.microsoft.com/office/drawing/2014/main" id="{E4CD207B-D88D-474B-95CE-D2F123C8D7FC}"/>
+                </a:ext>
+              </a:extLst>
+            </p:cNvPr>
+            <p:cNvSpPr txBox="1"/>
+            <p:nvPr/>
+          </p:nvSpPr>
+          <p:spPr>
+            <a:xfrm>
+              <a:off x="856976" y="3995875"/>
+              <a:ext cx="1073400" cy="944700"/>
+            </a:xfrm>
+            <a:prstGeom prst="rect">
+              <a:avLst/>
+            </a:prstGeom>
+            <a:solidFill>
+              <a:srgbClr val="666666"/>
+            </a:solidFill>
+            <a:ln>
+              <a:noFill/>
+            </a:ln>
+          </p:spPr>
+          <p:txBody>
+            <a:bodyPr spcFirstLastPara="1" wrap="square" lIns="91425" tIns="91425" rIns="91425" bIns="91425" anchor="ctr" anchorCtr="0">
+              <a:noAutofit/>
+            </a:bodyPr>
+            <a:lstStyle/>
+            <a:p>
+              <a:pPr marL="0" lvl="0" indent="0" algn="ctr" rtl="0">
+                <a:spcBef>
+                  <a:spcPts val="0"/>
+                </a:spcBef>
+                <a:spcAft>
+                  <a:spcPts val="0"/>
+                </a:spcAft>
+                <a:buNone/>
+              </a:pPr>
+              <a:r>
+                <a:rPr lang="en" b="1" dirty="0">
+                  <a:solidFill>
+                    <a:srgbClr val="FFFFFF"/>
+                  </a:solidFill>
+                  <a:latin typeface="Roboto"/>
+                  <a:ea typeface="Roboto"/>
+                  <a:cs typeface="Roboto"/>
+                  <a:sym typeface="Roboto"/>
+                </a:rPr>
+                <a:t>Voting Classifier</a:t>
+              </a:r>
+              <a:endParaRPr b="1" dirty="0">
+                <a:solidFill>
+                  <a:srgbClr val="FFFFFF"/>
+                </a:solidFill>
+                <a:latin typeface="Roboto"/>
+                <a:ea typeface="Roboto"/>
+                <a:cs typeface="Roboto"/>
+                <a:sym typeface="Roboto"/>
+              </a:endParaRPr>
+            </a:p>
+          </p:txBody>
+        </p:sp>
+      </p:grpSp>
     </p:spTree>
   </p:cSld>
   <p:clrMapOvr>
@@ -28635,7 +28780,7 @@
                   <a:srgbClr val="FFFFFF"/>
                 </a:solidFill>
               </a:rPr>
-              <a:t>False Negative/False Positive = 10/0.12 %</a:t>
+              <a:t>False Negative/False Positive = 33/30 %</a:t>
             </a:r>
           </a:p>
           <a:p>
@@ -28670,7 +28815,7 @@
                   <a:srgbClr val="FFFFFF"/>
                 </a:solidFill>
               </a:rPr>
-              <a:t>AUC = 0.9732</a:t>
+              <a:t>AUC = 0.7393</a:t>
             </a:r>
           </a:p>
           <a:p>
@@ -28689,34 +28834,39 @@
                   <a:srgbClr val="FFFFFF"/>
                 </a:solidFill>
               </a:rPr>
-              <a:t>Accuracy = 94.43%</a:t>
+              <a:t>Accuracy = 67.85%</a:t>
             </a:r>
           </a:p>
         </p:txBody>
       </p:sp>
       <p:pic>
         <p:nvPicPr>
-          <p:cNvPr id="3" name="Picture 2" descr="A picture containing screenshot, microwave&#10;&#10;Description automatically generated">
+          <p:cNvPr id="6" name="Picture 5" descr="A screenshot of a cell phone&#10;&#10;Description automatically generated">
             <a:extLst>
               <a:ext uri="{FF2B5EF4-FFF2-40B4-BE49-F238E27FC236}">
-                <a16:creationId xmlns:a16="http://schemas.microsoft.com/office/drawing/2014/main" id="{D1467634-50E2-46A6-A95F-35517177870F}"/>
+                <a16:creationId xmlns:a16="http://schemas.microsoft.com/office/drawing/2014/main" id="{77ADE45C-E3BB-4013-9961-67776E99864E}"/>
               </a:ext>
             </a:extLst>
           </p:cNvPr>
-          <p:cNvPicPr>
-            <a:picLocks noChangeAspect="1"/>
-          </p:cNvPicPr>
+          <p:cNvPicPr/>
           <p:nvPr/>
         </p:nvPicPr>
-        <p:blipFill rotWithShape="1">
-          <a:blip r:embed="rId3"/>
-          <a:srcRect l="6318" t="11429" r="15545" b="3826"/>
-          <a:stretch/>
+        <p:blipFill>
+          <a:blip r:embed="rId3">
+            <a:extLst>
+              <a:ext uri="{28A0092B-C50C-407E-A947-70E740481C1C}">
+                <a14:useLocalDpi xmlns:a14="http://schemas.microsoft.com/office/drawing/2010/main" val="0"/>
+              </a:ext>
+            </a:extLst>
+          </a:blip>
+          <a:stretch>
+            <a:fillRect/>
+          </a:stretch>
         </p:blipFill>
         <p:spPr>
           <a:xfrm>
-            <a:off x="333186" y="1330778"/>
-            <a:ext cx="5160472" cy="3358119"/>
+            <a:off x="39919" y="963155"/>
+            <a:ext cx="5943600" cy="3565525"/>
           </a:xfrm>
           <a:prstGeom prst="rect">
             <a:avLst/>
@@ -28838,7 +28988,7 @@
                 <a:cs typeface="Maven Pro"/>
                 <a:sym typeface="Maven Pro"/>
               </a:rPr>
-              <a:t>Random Forest</a:t>
+              <a:t>GBM</a:t>
             </a:r>
             <a:endParaRPr sz="3600" b="1" dirty="0">
               <a:solidFill>
@@ -28852,6 +29002,40 @@
           </a:p>
         </p:txBody>
       </p:sp>
+      <p:pic>
+        <p:nvPicPr>
+          <p:cNvPr id="6" name="Picture 5" descr="A screenshot of a cell phone&#10;&#10;Description automatically generated">
+            <a:extLst>
+              <a:ext uri="{FF2B5EF4-FFF2-40B4-BE49-F238E27FC236}">
+                <a16:creationId xmlns:a16="http://schemas.microsoft.com/office/drawing/2014/main" id="{89CDA4F1-17F9-4E54-91A0-0DC2435081C8}"/>
+              </a:ext>
+            </a:extLst>
+          </p:cNvPr>
+          <p:cNvPicPr/>
+          <p:nvPr/>
+        </p:nvPicPr>
+        <p:blipFill>
+          <a:blip r:embed="rId3">
+            <a:extLst>
+              <a:ext uri="{28A0092B-C50C-407E-A947-70E740481C1C}">
+                <a14:useLocalDpi xmlns:a14="http://schemas.microsoft.com/office/drawing/2010/main" val="0"/>
+              </a:ext>
+            </a:extLst>
+          </a:blip>
+          <a:stretch>
+            <a:fillRect/>
+          </a:stretch>
+        </p:blipFill>
+        <p:spPr>
+          <a:xfrm>
+            <a:off x="312057" y="1063070"/>
+            <a:ext cx="5943600" cy="3565525"/>
+          </a:xfrm>
+          <a:prstGeom prst="rect">
+            <a:avLst/>
+          </a:prstGeom>
+        </p:spPr>
+      </p:pic>
       <p:sp>
         <p:nvSpPr>
           <p:cNvPr id="2" name="Google Shape;521;p28">
@@ -28938,7 +29122,7 @@
                   <a:srgbClr val="FFFFFF"/>
                 </a:solidFill>
               </a:rPr>
-              <a:t>False Negative/False Positive = 8.9/0.0 %</a:t>
+              <a:t>False Negative/False Positive = 31/31 %</a:t>
             </a:r>
           </a:p>
           <a:p>
@@ -28973,7 +29157,7 @@
                   <a:srgbClr val="FFFFFF"/>
                 </a:solidFill>
               </a:rPr>
-              <a:t>AUC = 0.9718</a:t>
+              <a:t>AUC = 0.7541</a:t>
             </a:r>
           </a:p>
           <a:p>
@@ -28992,7 +29176,7 @@
                   <a:srgbClr val="FFFFFF"/>
                 </a:solidFill>
               </a:rPr>
-              <a:t>Accuracy = 95.57%</a:t>
+              <a:t>Accuracy = 68.72%</a:t>
             </a:r>
           </a:p>
           <a:p>
@@ -29046,41 +29230,17 @@
                   <a:srgbClr val="FFFFFF"/>
                 </a:solidFill>
               </a:rPr>
-              <a:t>FLOOR_AREA, EXT_3_2, BUILD_OVER_AGE</a:t>
+              <a:t>EXT_3_2, EXT_3_1, EXT_2_1</a:t>
             </a:r>
           </a:p>
         </p:txBody>
       </p:sp>
-      <p:pic>
-        <p:nvPicPr>
-          <p:cNvPr id="5" name="Picture 4" descr="A picture containing screenshot, microwave&#10;&#10;Description automatically generated">
-            <a:extLst>
-              <a:ext uri="{FF2B5EF4-FFF2-40B4-BE49-F238E27FC236}">
-                <a16:creationId xmlns:a16="http://schemas.microsoft.com/office/drawing/2014/main" id="{97CAAC0C-E468-4990-B9B5-7B0C59E1B836}"/>
-              </a:ext>
-            </a:extLst>
-          </p:cNvPr>
-          <p:cNvPicPr>
-            <a:picLocks noChangeAspect="1"/>
-          </p:cNvPicPr>
-          <p:nvPr/>
-        </p:nvPicPr>
-        <p:blipFill rotWithShape="1">
-          <a:blip r:embed="rId3"/>
-          <a:srcRect l="6283" t="10013" r="11705" b="3351"/>
-          <a:stretch/>
-        </p:blipFill>
-        <p:spPr>
-          <a:xfrm>
-            <a:off x="144254" y="1030514"/>
-            <a:ext cx="5655863" cy="3584825"/>
-          </a:xfrm>
-          <a:prstGeom prst="rect">
-            <a:avLst/>
-          </a:prstGeom>
-        </p:spPr>
-      </p:pic>
     </p:spTree>
+    <p:extLst>
+      <p:ext uri="{BB962C8B-B14F-4D97-AF65-F5344CB8AC3E}">
+        <p14:creationId xmlns:p14="http://schemas.microsoft.com/office/powerpoint/2010/main" val="651795507"/>
+      </p:ext>
+    </p:extLst>
   </p:cSld>
   <p:clrMapOvr>
     <a:masterClrMapping/>
@@ -29195,7 +29355,7 @@
                 <a:cs typeface="Maven Pro"/>
                 <a:sym typeface="Maven Pro"/>
               </a:rPr>
-              <a:t>GBM</a:t>
+              <a:t>Voting Classifier</a:t>
             </a:r>
             <a:endParaRPr sz="3600" b="1" dirty="0">
               <a:solidFill>
@@ -29223,8 +29383,8 @@
         </p:nvSpPr>
         <p:spPr>
           <a:xfrm>
-            <a:off x="5637912" y="1063070"/>
-            <a:ext cx="3194031" cy="3584825"/>
+            <a:off x="5739512" y="1516726"/>
+            <a:ext cx="3194031" cy="2460189"/>
           </a:xfrm>
           <a:prstGeom prst="round2DiagRect">
             <a:avLst>
@@ -29295,7 +29455,7 @@
                   <a:srgbClr val="FFFFFF"/>
                 </a:solidFill>
               </a:rPr>
-              <a:t>False Negative/False Positive = 8.9/0.0 %</a:t>
+              <a:t>False Negative/False Positive = 31/31 %</a:t>
             </a:r>
           </a:p>
           <a:p>
@@ -29330,7 +29490,7 @@
                   <a:srgbClr val="FFFFFF"/>
                 </a:solidFill>
               </a:rPr>
-              <a:t>AUC = 0.9811</a:t>
+              <a:t>AUC = 0.7535</a:t>
             </a:r>
           </a:p>
           <a:p>
@@ -29349,7 +29509,7 @@
                   <a:srgbClr val="FFFFFF"/>
                 </a:solidFill>
               </a:rPr>
-              <a:t>Accuracy = 95.57%</a:t>
+              <a:t>Accuracy = 69.04%</a:t>
             </a:r>
           </a:p>
           <a:p>
@@ -29368,69 +29528,36 @@
               </a:solidFill>
             </a:endParaRPr>
           </a:p>
-          <a:p>
-            <a:pPr marL="0" lvl="0" indent="0" algn="l" rtl="0">
-              <a:spcBef>
-                <a:spcPts val="0"/>
-              </a:spcBef>
-              <a:spcAft>
-                <a:spcPts val="0"/>
-              </a:spcAft>
-              <a:buNone/>
-            </a:pPr>
-            <a:r>
-              <a:rPr lang="en" dirty="0">
-                <a:solidFill>
-                  <a:srgbClr val="FFFFFF"/>
-                </a:solidFill>
-              </a:rPr>
-              <a:t>Important Features:</a:t>
-            </a:r>
-          </a:p>
-          <a:p>
-            <a:pPr marL="0" lvl="0" indent="0" algn="l" rtl="0">
-              <a:spcBef>
-                <a:spcPts val="0"/>
-              </a:spcBef>
-              <a:spcAft>
-                <a:spcPts val="0"/>
-              </a:spcAft>
-              <a:buNone/>
-            </a:pPr>
-            <a:r>
-              <a:rPr lang="en" dirty="0">
-                <a:solidFill>
-                  <a:srgbClr val="FFFFFF"/>
-                </a:solidFill>
-              </a:rPr>
-              <a:t>FLOOR_AREA, EXT_3_2, BUILD_OVER_AGE</a:t>
-            </a:r>
-          </a:p>
         </p:txBody>
       </p:sp>
       <p:pic>
         <p:nvPicPr>
-          <p:cNvPr id="4" name="Picture 3" descr="A picture containing screenshot, microwave&#10;&#10;Description automatically generated">
+          <p:cNvPr id="7" name="Picture 6" descr="A screenshot of a computer screen&#10;&#10;Description automatically generated">
             <a:extLst>
               <a:ext uri="{FF2B5EF4-FFF2-40B4-BE49-F238E27FC236}">
-                <a16:creationId xmlns:a16="http://schemas.microsoft.com/office/drawing/2014/main" id="{E5087FEC-CDE9-49EE-A6EE-A91FC4C133AD}"/>
+                <a16:creationId xmlns:a16="http://schemas.microsoft.com/office/drawing/2014/main" id="{B7C22CE1-9BF6-4743-8756-502E1175E4C4}"/>
               </a:ext>
             </a:extLst>
           </p:cNvPr>
-          <p:cNvPicPr>
-            <a:picLocks noChangeAspect="1"/>
-          </p:cNvPicPr>
+          <p:cNvPicPr/>
           <p:nvPr/>
         </p:nvPicPr>
-        <p:blipFill rotWithShape="1">
-          <a:blip r:embed="rId3"/>
-          <a:srcRect l="6148" t="9635" r="14838" b="3774"/>
-          <a:stretch/>
+        <p:blipFill>
+          <a:blip r:embed="rId3">
+            <a:extLst>
+              <a:ext uri="{28A0092B-C50C-407E-A947-70E740481C1C}">
+                <a14:useLocalDpi xmlns:a14="http://schemas.microsoft.com/office/drawing/2010/main" val="0"/>
+              </a:ext>
+            </a:extLst>
+          </a:blip>
+          <a:stretch>
+            <a:fillRect/>
+          </a:stretch>
         </p:blipFill>
         <p:spPr>
           <a:xfrm>
-            <a:off x="93884" y="1005013"/>
-            <a:ext cx="5410167" cy="3557324"/>
+            <a:off x="312057" y="973989"/>
+            <a:ext cx="5943600" cy="3565525"/>
           </a:xfrm>
           <a:prstGeom prst="rect">
             <a:avLst/>
@@ -29440,7 +29567,7 @@
     </p:spTree>
     <p:extLst>
       <p:ext uri="{BB962C8B-B14F-4D97-AF65-F5344CB8AC3E}">
-        <p14:creationId xmlns:p14="http://schemas.microsoft.com/office/powerpoint/2010/main" val="651795507"/>
+        <p14:creationId xmlns:p14="http://schemas.microsoft.com/office/powerpoint/2010/main" val="707405730"/>
       </p:ext>
     </p:extLst>
   </p:cSld>
@@ -29521,8 +29648,8 @@
         </p:nvSpPr>
         <p:spPr>
           <a:xfrm>
-            <a:off x="555825" y="96325"/>
-            <a:ext cx="7030500" cy="999300"/>
+            <a:off x="558135" y="93622"/>
+            <a:ext cx="8167261" cy="999300"/>
           </a:xfrm>
           <a:prstGeom prst="rect">
             <a:avLst/>
@@ -29557,7 +29684,7 @@
                 <a:cs typeface="Maven Pro"/>
                 <a:sym typeface="Maven Pro"/>
               </a:rPr>
-              <a:t>XGBoost</a:t>
+              <a:t>Model Explainability: SHAP Value with GBM Model</a:t>
             </a:r>
             <a:endParaRPr sz="3600" b="1" dirty="0">
               <a:solidFill>
@@ -29573,20 +29700,14 @@
       </p:sp>
       <p:sp>
         <p:nvSpPr>
-          <p:cNvPr id="2" name="Google Shape;521;p28">
-            <a:extLst>
-              <a:ext uri="{FF2B5EF4-FFF2-40B4-BE49-F238E27FC236}">
-                <a16:creationId xmlns:a16="http://schemas.microsoft.com/office/drawing/2014/main" id="{5B24409F-6708-4938-AED7-D16D7C13DCBB}"/>
-              </a:ext>
-            </a:extLst>
-          </p:cNvPr>
+          <p:cNvPr id="532" name="Google Shape;532;p29"/>
           <p:cNvSpPr/>
           <p:nvPr/>
         </p:nvSpPr>
         <p:spPr>
           <a:xfrm>
-            <a:off x="5637912" y="1063070"/>
-            <a:ext cx="3194031" cy="3584825"/>
+            <a:off x="6125030" y="1216291"/>
+            <a:ext cx="2874716" cy="3537135"/>
           </a:xfrm>
           <a:prstGeom prst="round2DiagRect">
             <a:avLst>
@@ -29617,12 +29738,12 @@
               <a:buNone/>
             </a:pPr>
             <a:r>
-              <a:rPr lang="en" dirty="0">
+              <a:rPr lang="en-CA" dirty="0">
                 <a:solidFill>
                   <a:srgbClr val="FFFFFF"/>
                 </a:solidFill>
               </a:rPr>
-              <a:t>Hyperparameter optimized:</a:t>
+              <a:t>Top features with positive/negative correlativity with target variable</a:t>
             </a:r>
           </a:p>
           <a:p>
@@ -29635,7 +29756,7 @@
               </a:spcAft>
               <a:buNone/>
             </a:pPr>
-            <a:endParaRPr lang="en" dirty="0">
+            <a:endParaRPr lang="en-CA" dirty="0">
               <a:solidFill>
                 <a:srgbClr val="FFFFFF"/>
               </a:solidFill>
@@ -29652,157 +29773,59 @@
               <a:buNone/>
             </a:pPr>
             <a:r>
-              <a:rPr lang="en" dirty="0">
+              <a:rPr lang="en-CA" dirty="0">
                 <a:solidFill>
                   <a:srgbClr val="FFFFFF"/>
                 </a:solidFill>
               </a:rPr>
-              <a:t>False Negative/False Positive = 8.8/0.0 %</a:t>
-            </a:r>
-          </a:p>
-          <a:p>
-            <a:pPr marL="0" lvl="0" indent="0" algn="l" rtl="0">
-              <a:spcBef>
-                <a:spcPts val="0"/>
-              </a:spcBef>
-              <a:spcAft>
-                <a:spcPts val="0"/>
-              </a:spcAft>
-              <a:buNone/>
-            </a:pPr>
-            <a:endParaRPr lang="en" dirty="0">
-              <a:solidFill>
-                <a:srgbClr val="FFFFFF"/>
-              </a:solidFill>
-            </a:endParaRPr>
-          </a:p>
-          <a:p>
-            <a:pPr marL="0" lvl="0" indent="0" algn="l" rtl="0">
-              <a:spcBef>
-                <a:spcPts val="0"/>
-              </a:spcBef>
-              <a:spcAft>
-                <a:spcPts val="0"/>
-              </a:spcAft>
-              <a:buNone/>
-            </a:pPr>
-            <a:r>
-              <a:rPr lang="en" dirty="0">
-                <a:solidFill>
-                  <a:srgbClr val="FFFFFF"/>
-                </a:solidFill>
-              </a:rPr>
-              <a:t>AUC = 0.9812</a:t>
-            </a:r>
-          </a:p>
-          <a:p>
-            <a:pPr marL="0" lvl="0" indent="0" algn="l" rtl="0">
-              <a:spcBef>
-                <a:spcPts val="0"/>
-              </a:spcBef>
-              <a:spcAft>
-                <a:spcPts val="0"/>
-              </a:spcAft>
-              <a:buNone/>
-            </a:pPr>
-            <a:r>
-              <a:rPr lang="en" dirty="0">
-                <a:solidFill>
-                  <a:srgbClr val="FFFFFF"/>
-                </a:solidFill>
-              </a:rPr>
-              <a:t>Accuracy = 95.61%</a:t>
-            </a:r>
-          </a:p>
-          <a:p>
-            <a:pPr marL="0" lvl="0" indent="0" algn="l" rtl="0">
-              <a:spcBef>
-                <a:spcPts val="0"/>
-              </a:spcBef>
-              <a:spcAft>
-                <a:spcPts val="0"/>
-              </a:spcAft>
-              <a:buNone/>
-            </a:pPr>
-            <a:endParaRPr lang="en" dirty="0">
-              <a:solidFill>
-                <a:srgbClr val="FFFFFF"/>
-              </a:solidFill>
-            </a:endParaRPr>
-          </a:p>
-          <a:p>
-            <a:pPr marL="0" lvl="0" indent="0" algn="l" rtl="0">
-              <a:spcBef>
-                <a:spcPts val="0"/>
-              </a:spcBef>
-              <a:spcAft>
-                <a:spcPts val="0"/>
-              </a:spcAft>
-              <a:buNone/>
-            </a:pPr>
-            <a:r>
-              <a:rPr lang="en" dirty="0">
-                <a:solidFill>
-                  <a:srgbClr val="FFFFFF"/>
-                </a:solidFill>
-              </a:rPr>
-              <a:t>Important Features:</a:t>
-            </a:r>
-          </a:p>
-          <a:p>
-            <a:pPr marL="0" lvl="0" indent="0" algn="l" rtl="0">
-              <a:spcBef>
-                <a:spcPts val="0"/>
-              </a:spcBef>
-              <a:spcAft>
-                <a:spcPts val="0"/>
-              </a:spcAft>
-              <a:buNone/>
-            </a:pPr>
-            <a:r>
-              <a:rPr lang="en" dirty="0">
-                <a:solidFill>
-                  <a:srgbClr val="FFFFFF"/>
-                </a:solidFill>
-              </a:rPr>
-              <a:t>FLOOR_AREA, EXT_3_2, REVOLVING LOAN</a:t>
+              <a:t>The magnitude of individual observation’s contribution is also shown</a:t>
             </a:r>
           </a:p>
         </p:txBody>
       </p:sp>
       <p:pic>
         <p:nvPicPr>
-          <p:cNvPr id="5" name="Picture 4" descr="A picture containing screenshot, microwave&#10;&#10;Description automatically generated">
+          <p:cNvPr id="6" name="Picture 5">
             <a:extLst>
               <a:ext uri="{FF2B5EF4-FFF2-40B4-BE49-F238E27FC236}">
-                <a16:creationId xmlns:a16="http://schemas.microsoft.com/office/drawing/2014/main" id="{8172C1E3-7EFF-48BC-9EB7-B81B5F104534}"/>
+                <a16:creationId xmlns:a16="http://schemas.microsoft.com/office/drawing/2014/main" id="{A919C85E-8C6F-4243-86B3-5FC0ACFF0FC9}"/>
               </a:ext>
             </a:extLst>
           </p:cNvPr>
-          <p:cNvPicPr>
-            <a:picLocks noChangeAspect="1"/>
-          </p:cNvPicPr>
+          <p:cNvPicPr/>
           <p:nvPr/>
         </p:nvPicPr>
-        <p:blipFill rotWithShape="1">
-          <a:blip r:embed="rId3"/>
-          <a:srcRect l="6402" t="9635" r="14837" b="3210"/>
-          <a:stretch/>
+        <p:blipFill>
+          <a:blip r:embed="rId3">
+            <a:extLst>
+              <a:ext uri="{28A0092B-C50C-407E-A947-70E740481C1C}">
+                <a14:useLocalDpi xmlns:a14="http://schemas.microsoft.com/office/drawing/2010/main" val="0"/>
+              </a:ext>
+            </a:extLst>
+          </a:blip>
+          <a:srcRect/>
+          <a:stretch>
+            <a:fillRect/>
+          </a:stretch>
         </p:blipFill>
-        <p:spPr>
+        <p:spPr bwMode="auto">
           <a:xfrm>
-            <a:off x="11016" y="911944"/>
-            <a:ext cx="5626896" cy="3735951"/>
+            <a:off x="714828" y="1209173"/>
+            <a:ext cx="5221515" cy="3602307"/>
           </a:xfrm>
           <a:prstGeom prst="rect">
             <a:avLst/>
           </a:prstGeom>
+          <a:noFill/>
+          <a:ln>
+            <a:noFill/>
+          </a:ln>
         </p:spPr>
       </p:pic>
     </p:spTree>
     <p:extLst>
       <p:ext uri="{BB962C8B-B14F-4D97-AF65-F5344CB8AC3E}">
-        <p14:creationId xmlns:p14="http://schemas.microsoft.com/office/powerpoint/2010/main" val="2021595318"/>
+        <p14:creationId xmlns:p14="http://schemas.microsoft.com/office/powerpoint/2010/main" val="2225738671"/>
       </p:ext>
     </p:extLst>
   </p:cSld>
@@ -29813,6 +29836,867 @@
 </file>
 
 <file path=ppt/slides/slide19.xml><?xml version="1.0" encoding="utf-8"?>
+<p:sld xmlns:a="http://schemas.openxmlformats.org/drawingml/2006/main" xmlns:r="http://schemas.openxmlformats.org/officeDocument/2006/relationships" xmlns:p="http://schemas.openxmlformats.org/presentationml/2006/main">
+  <p:cSld>
+    <p:bg>
+      <p:bgPr>
+        <a:solidFill>
+          <a:schemeClr val="accent3"/>
+        </a:solidFill>
+        <a:effectLst/>
+      </p:bgPr>
+    </p:bg>
+    <p:spTree>
+      <p:nvGrpSpPr>
+        <p:cNvPr id="1" name="Shape 529"/>
+        <p:cNvGrpSpPr/>
+        <p:nvPr/>
+      </p:nvGrpSpPr>
+      <p:grpSpPr>
+        <a:xfrm>
+          <a:off x="0" y="0"/>
+          <a:ext cx="0" cy="0"/>
+          <a:chOff x="0" y="0"/>
+          <a:chExt cx="0" cy="0"/>
+        </a:xfrm>
+      </p:grpSpPr>
+      <p:sp>
+        <p:nvSpPr>
+          <p:cNvPr id="530" name="Google Shape;530;p29"/>
+          <p:cNvSpPr txBox="1">
+            <a:spLocks noGrp="1"/>
+          </p:cNvSpPr>
+          <p:nvPr>
+            <p:ph type="sldNum" idx="12"/>
+          </p:nvPr>
+        </p:nvSpPr>
+        <p:spPr>
+          <a:prstGeom prst="rect">
+            <a:avLst/>
+          </a:prstGeom>
+        </p:spPr>
+        <p:txBody>
+          <a:bodyPr spcFirstLastPara="1" wrap="square" lIns="91425" tIns="91425" rIns="91425" bIns="91425" anchor="ctr" anchorCtr="0">
+            <a:noAutofit/>
+          </a:bodyPr>
+          <a:lstStyle/>
+          <a:p>
+            <a:pPr marL="0" lvl="0" indent="0" algn="r" rtl="0">
+              <a:spcBef>
+                <a:spcPts val="0"/>
+              </a:spcBef>
+              <a:spcAft>
+                <a:spcPts val="0"/>
+              </a:spcAft>
+              <a:buNone/>
+            </a:pPr>
+            <a:fld id="{00000000-1234-1234-1234-123412341234}" type="slidenum">
+              <a:rPr lang="en"/>
+              <a:t>19</a:t>
+            </a:fld>
+            <a:endParaRPr/>
+          </a:p>
+        </p:txBody>
+      </p:sp>
+      <p:sp>
+        <p:nvSpPr>
+          <p:cNvPr id="531" name="Google Shape;531;p29"/>
+          <p:cNvSpPr txBox="1"/>
+          <p:nvPr/>
+        </p:nvSpPr>
+        <p:spPr>
+          <a:xfrm>
+            <a:off x="558135" y="93622"/>
+            <a:ext cx="8167261" cy="999300"/>
+          </a:xfrm>
+          <a:prstGeom prst="rect">
+            <a:avLst/>
+          </a:prstGeom>
+          <a:noFill/>
+          <a:ln>
+            <a:noFill/>
+          </a:ln>
+        </p:spPr>
+        <p:txBody>
+          <a:bodyPr spcFirstLastPara="1" wrap="square" lIns="91425" tIns="91425" rIns="91425" bIns="91425" anchor="ctr" anchorCtr="0">
+            <a:noAutofit/>
+          </a:bodyPr>
+          <a:lstStyle/>
+          <a:p>
+            <a:pPr marL="0" lvl="0" indent="0" algn="l" rtl="0">
+              <a:spcBef>
+                <a:spcPts val="0"/>
+              </a:spcBef>
+              <a:spcAft>
+                <a:spcPts val="0"/>
+              </a:spcAft>
+              <a:buNone/>
+            </a:pPr>
+            <a:r>
+              <a:rPr lang="en" sz="3600" b="1" dirty="0">
+                <a:solidFill>
+                  <a:srgbClr val="FFFFFF"/>
+                </a:solidFill>
+                <a:latin typeface="Maven Pro"/>
+                <a:ea typeface="Maven Pro"/>
+                <a:cs typeface="Maven Pro"/>
+                <a:sym typeface="Maven Pro"/>
+              </a:rPr>
+              <a:t>Model Explainability: LIME Coefficients with GBM Model</a:t>
+            </a:r>
+            <a:endParaRPr sz="3600" b="1" dirty="0">
+              <a:solidFill>
+                <a:srgbClr val="FFFFFF"/>
+              </a:solidFill>
+              <a:latin typeface="Maven Pro"/>
+              <a:ea typeface="Maven Pro"/>
+              <a:cs typeface="Maven Pro"/>
+              <a:sym typeface="Maven Pro"/>
+            </a:endParaRPr>
+          </a:p>
+        </p:txBody>
+      </p:sp>
+      <p:sp>
+        <p:nvSpPr>
+          <p:cNvPr id="532" name="Google Shape;532;p29"/>
+          <p:cNvSpPr/>
+          <p:nvPr/>
+        </p:nvSpPr>
+        <p:spPr>
+          <a:xfrm>
+            <a:off x="6125030" y="1216291"/>
+            <a:ext cx="2874716" cy="3537135"/>
+          </a:xfrm>
+          <a:prstGeom prst="round2DiagRect">
+            <a:avLst>
+              <a:gd name="adj1" fmla="val 0"/>
+              <a:gd name="adj2" fmla="val 17764"/>
+            </a:avLst>
+          </a:prstGeom>
+          <a:solidFill>
+            <a:srgbClr val="666666"/>
+          </a:solidFill>
+          <a:ln>
+            <a:noFill/>
+          </a:ln>
+        </p:spPr>
+        <p:txBody>
+          <a:bodyPr spcFirstLastPara="1" wrap="square" lIns="91425" tIns="91425" rIns="91425" bIns="91425" anchor="ctr" anchorCtr="0">
+            <a:noAutofit/>
+          </a:bodyPr>
+          <a:lstStyle/>
+          <a:p>
+            <a:pPr marL="342900" lvl="0" indent="-342900" algn="just">
+              <a:lnSpc>
+                <a:spcPct val="107000"/>
+              </a:lnSpc>
+              <a:buFont typeface="Symbol" panose="05050102010706020507" pitchFamily="18" charset="2"/>
+              <a:buChar char=""/>
+            </a:pPr>
+            <a:r>
+              <a:rPr lang="en-CA" dirty="0">
+                <a:solidFill>
+                  <a:schemeClr val="bg1"/>
+                </a:solidFill>
+                <a:latin typeface="+mj-lt"/>
+                <a:ea typeface="Calibri" panose="020F0502020204030204" pitchFamily="34" charset="0"/>
+                <a:cs typeface="Times New Roman" panose="02020603050405020304" pitchFamily="18" charset="0"/>
+              </a:rPr>
+              <a:t>L</a:t>
+            </a:r>
+            <a:r>
+              <a:rPr lang="en-CA" dirty="0">
+                <a:solidFill>
+                  <a:schemeClr val="bg1"/>
+                </a:solidFill>
+                <a:effectLst/>
+                <a:latin typeface="+mj-lt"/>
+                <a:ea typeface="Calibri" panose="020F0502020204030204" pitchFamily="34" charset="0"/>
+                <a:cs typeface="Times New Roman" panose="02020603050405020304" pitchFamily="18" charset="0"/>
+              </a:rPr>
+              <a:t>ower value of EXT_3_2 positively correlates with target variable</a:t>
+            </a:r>
+          </a:p>
+          <a:p>
+            <a:pPr marL="342900" lvl="0" indent="-342900" algn="just">
+              <a:lnSpc>
+                <a:spcPct val="107000"/>
+              </a:lnSpc>
+              <a:buFont typeface="Symbol" panose="05050102010706020507" pitchFamily="18" charset="2"/>
+              <a:buChar char=""/>
+            </a:pPr>
+            <a:r>
+              <a:rPr lang="en-CA" dirty="0">
+                <a:solidFill>
+                  <a:schemeClr val="bg1"/>
+                </a:solidFill>
+                <a:effectLst/>
+                <a:latin typeface="+mj-lt"/>
+                <a:ea typeface="Calibri" panose="020F0502020204030204" pitchFamily="34" charset="0"/>
+                <a:cs typeface="Times New Roman" panose="02020603050405020304" pitchFamily="18" charset="0"/>
+              </a:rPr>
+              <a:t>Lower value of FLAG_DOCUMENT_17 negatively impacts target variable</a:t>
+            </a:r>
+          </a:p>
+          <a:p>
+            <a:pPr marL="342900" lvl="0" indent="-342900" algn="just">
+              <a:lnSpc>
+                <a:spcPct val="107000"/>
+              </a:lnSpc>
+              <a:spcAft>
+                <a:spcPts val="800"/>
+              </a:spcAft>
+              <a:buFont typeface="Symbol" panose="05050102010706020507" pitchFamily="18" charset="2"/>
+              <a:buChar char=""/>
+            </a:pPr>
+            <a:r>
+              <a:rPr lang="en-CA" dirty="0">
+                <a:solidFill>
+                  <a:schemeClr val="bg1"/>
+                </a:solidFill>
+                <a:effectLst/>
+                <a:latin typeface="+mj-lt"/>
+                <a:ea typeface="Calibri" panose="020F0502020204030204" pitchFamily="34" charset="0"/>
+                <a:cs typeface="Times New Roman" panose="02020603050405020304" pitchFamily="18" charset="0"/>
+              </a:rPr>
+              <a:t>Similar explanation applies to other variables</a:t>
+            </a:r>
+          </a:p>
+          <a:p>
+            <a:pPr marL="0" lvl="0" indent="0" algn="l" rtl="0">
+              <a:spcBef>
+                <a:spcPts val="0"/>
+              </a:spcBef>
+              <a:spcAft>
+                <a:spcPts val="0"/>
+              </a:spcAft>
+              <a:buNone/>
+            </a:pPr>
+            <a:endParaRPr lang="en-CA" dirty="0">
+              <a:solidFill>
+                <a:schemeClr val="bg1"/>
+              </a:solidFill>
+              <a:latin typeface="+mj-lt"/>
+            </a:endParaRPr>
+          </a:p>
+        </p:txBody>
+      </p:sp>
+      <p:pic>
+        <p:nvPicPr>
+          <p:cNvPr id="7" name="Picture 6">
+            <a:extLst>
+              <a:ext uri="{FF2B5EF4-FFF2-40B4-BE49-F238E27FC236}">
+                <a16:creationId xmlns:a16="http://schemas.microsoft.com/office/drawing/2014/main" id="{2764CF4A-66AB-4074-B9E0-79CED8788C44}"/>
+              </a:ext>
+            </a:extLst>
+          </p:cNvPr>
+          <p:cNvPicPr/>
+          <p:nvPr/>
+        </p:nvPicPr>
+        <p:blipFill>
+          <a:blip r:embed="rId3"/>
+          <a:stretch>
+            <a:fillRect/>
+          </a:stretch>
+        </p:blipFill>
+        <p:spPr>
+          <a:xfrm>
+            <a:off x="144254" y="1416367"/>
+            <a:ext cx="5943600" cy="2107565"/>
+          </a:xfrm>
+          <a:prstGeom prst="rect">
+            <a:avLst/>
+          </a:prstGeom>
+        </p:spPr>
+      </p:pic>
+    </p:spTree>
+    <p:extLst>
+      <p:ext uri="{BB962C8B-B14F-4D97-AF65-F5344CB8AC3E}">
+        <p14:creationId xmlns:p14="http://schemas.microsoft.com/office/powerpoint/2010/main" val="3579208226"/>
+      </p:ext>
+    </p:extLst>
+  </p:cSld>
+  <p:clrMapOvr>
+    <a:masterClrMapping/>
+  </p:clrMapOvr>
+</p:sld>
+</file>
+
+<file path=ppt/slides/slide2.xml><?xml version="1.0" encoding="utf-8"?>
+<p:sld xmlns:a="http://schemas.openxmlformats.org/drawingml/2006/main" xmlns:r="http://schemas.openxmlformats.org/officeDocument/2006/relationships" xmlns:p="http://schemas.openxmlformats.org/presentationml/2006/main">
+  <p:cSld>
+    <p:bg>
+      <p:bgPr>
+        <a:solidFill>
+          <a:schemeClr val="accent3"/>
+        </a:solidFill>
+        <a:effectLst/>
+      </p:bgPr>
+    </p:bg>
+    <p:spTree>
+      <p:nvGrpSpPr>
+        <p:cNvPr id="1" name="Shape 285"/>
+        <p:cNvGrpSpPr/>
+        <p:nvPr/>
+      </p:nvGrpSpPr>
+      <p:grpSpPr>
+        <a:xfrm>
+          <a:off x="0" y="0"/>
+          <a:ext cx="0" cy="0"/>
+          <a:chOff x="0" y="0"/>
+          <a:chExt cx="0" cy="0"/>
+        </a:xfrm>
+      </p:grpSpPr>
+      <p:sp>
+        <p:nvSpPr>
+          <p:cNvPr id="286" name="Google Shape;286;p14"/>
+          <p:cNvSpPr txBox="1">
+            <a:spLocks noGrp="1"/>
+          </p:cNvSpPr>
+          <p:nvPr>
+            <p:ph type="title"/>
+          </p:nvPr>
+        </p:nvSpPr>
+        <p:spPr>
+          <a:prstGeom prst="rect">
+            <a:avLst/>
+          </a:prstGeom>
+        </p:spPr>
+        <p:txBody>
+          <a:bodyPr spcFirstLastPara="1" wrap="square" lIns="91425" tIns="91425" rIns="91425" bIns="91425" anchor="t" anchorCtr="0">
+            <a:noAutofit/>
+          </a:bodyPr>
+          <a:lstStyle/>
+          <a:p>
+            <a:pPr marL="0" lvl="0" indent="0" algn="l" rtl="0">
+              <a:spcBef>
+                <a:spcPts val="0"/>
+              </a:spcBef>
+              <a:spcAft>
+                <a:spcPts val="0"/>
+              </a:spcAft>
+              <a:buNone/>
+            </a:pPr>
+            <a:r>
+              <a:rPr lang="en" dirty="0">
+                <a:solidFill>
+                  <a:srgbClr val="FFFFFF"/>
+                </a:solidFill>
+              </a:rPr>
+              <a:t>Table of Contents</a:t>
+            </a:r>
+            <a:endParaRPr dirty="0">
+              <a:solidFill>
+                <a:srgbClr val="FFFFFF"/>
+              </a:solidFill>
+            </a:endParaRPr>
+          </a:p>
+        </p:txBody>
+      </p:sp>
+      <p:sp>
+        <p:nvSpPr>
+          <p:cNvPr id="287" name="Google Shape;287;p14"/>
+          <p:cNvSpPr txBox="1">
+            <a:spLocks noGrp="1"/>
+          </p:cNvSpPr>
+          <p:nvPr>
+            <p:ph type="body" idx="1"/>
+          </p:nvPr>
+        </p:nvSpPr>
+        <p:spPr>
+          <a:xfrm>
+            <a:off x="1303800" y="1163050"/>
+            <a:ext cx="7030500" cy="3355800"/>
+          </a:xfrm>
+          <a:prstGeom prst="rect">
+            <a:avLst/>
+          </a:prstGeom>
+        </p:spPr>
+        <p:txBody>
+          <a:bodyPr spcFirstLastPara="1" wrap="square" lIns="91425" tIns="91425" rIns="91425" bIns="91425" anchor="t" anchorCtr="0">
+            <a:noAutofit/>
+          </a:bodyPr>
+          <a:lstStyle/>
+          <a:p>
+            <a:pPr marL="457200" marR="0" lvl="0" indent="-342900" algn="l" rtl="0">
+              <a:lnSpc>
+                <a:spcPct val="115000"/>
+              </a:lnSpc>
+              <a:spcBef>
+                <a:spcPts val="0"/>
+              </a:spcBef>
+              <a:spcAft>
+                <a:spcPts val="0"/>
+              </a:spcAft>
+              <a:buClr>
+                <a:srgbClr val="FFFFFF"/>
+              </a:buClr>
+              <a:buSzPts val="1800"/>
+              <a:buFont typeface="Nunito"/>
+              <a:buAutoNum type="arabicPeriod"/>
+            </a:pPr>
+            <a:r>
+              <a:rPr lang="en" sz="1800" dirty="0">
+                <a:solidFill>
+                  <a:srgbClr val="FFFFFF"/>
+                </a:solidFill>
+              </a:rPr>
+              <a:t>Problem Statement</a:t>
+            </a:r>
+            <a:endParaRPr sz="1800" dirty="0">
+              <a:solidFill>
+                <a:srgbClr val="FFFFFF"/>
+              </a:solidFill>
+            </a:endParaRPr>
+          </a:p>
+          <a:p>
+            <a:pPr marL="914400" marR="0" lvl="1" indent="-317500" algn="l" rtl="0">
+              <a:lnSpc>
+                <a:spcPct val="115000"/>
+              </a:lnSpc>
+              <a:spcBef>
+                <a:spcPts val="0"/>
+              </a:spcBef>
+              <a:spcAft>
+                <a:spcPts val="0"/>
+              </a:spcAft>
+              <a:buClr>
+                <a:srgbClr val="FFFFFF"/>
+              </a:buClr>
+              <a:buSzPts val="1400"/>
+              <a:buFont typeface="Nunito"/>
+              <a:buAutoNum type="alphaLcPeriod"/>
+            </a:pPr>
+            <a:r>
+              <a:rPr lang="en" sz="1400" dirty="0">
+                <a:solidFill>
+                  <a:srgbClr val="FFFFFF"/>
+                </a:solidFill>
+              </a:rPr>
+              <a:t>Project Flow, Business &amp; Model Understanding</a:t>
+            </a:r>
+            <a:endParaRPr sz="1400" dirty="0">
+              <a:solidFill>
+                <a:srgbClr val="FFFFFF"/>
+              </a:solidFill>
+            </a:endParaRPr>
+          </a:p>
+          <a:p>
+            <a:pPr marL="457200" marR="0" lvl="0" indent="-342900" algn="l" rtl="0">
+              <a:lnSpc>
+                <a:spcPct val="115000"/>
+              </a:lnSpc>
+              <a:spcBef>
+                <a:spcPts val="0"/>
+              </a:spcBef>
+              <a:spcAft>
+                <a:spcPts val="0"/>
+              </a:spcAft>
+              <a:buClr>
+                <a:srgbClr val="FFFFFF"/>
+              </a:buClr>
+              <a:buSzPts val="1800"/>
+              <a:buFont typeface="Nunito"/>
+              <a:buAutoNum type="arabicPeriod"/>
+            </a:pPr>
+            <a:r>
+              <a:rPr lang="en" sz="1800" dirty="0">
+                <a:solidFill>
+                  <a:srgbClr val="FFFFFF"/>
+                </a:solidFill>
+              </a:rPr>
+              <a:t>Data Collection</a:t>
+            </a:r>
+            <a:endParaRPr sz="1800" dirty="0">
+              <a:solidFill>
+                <a:srgbClr val="FFFFFF"/>
+              </a:solidFill>
+            </a:endParaRPr>
+          </a:p>
+          <a:p>
+            <a:pPr marL="914400" marR="0" lvl="1" indent="-317500" algn="l" rtl="0">
+              <a:lnSpc>
+                <a:spcPct val="115000"/>
+              </a:lnSpc>
+              <a:spcBef>
+                <a:spcPts val="0"/>
+              </a:spcBef>
+              <a:spcAft>
+                <a:spcPts val="0"/>
+              </a:spcAft>
+              <a:buClr>
+                <a:srgbClr val="FFFFFF"/>
+              </a:buClr>
+              <a:buSzPts val="1400"/>
+              <a:buFont typeface="Nunito"/>
+              <a:buAutoNum type="alphaLcPeriod"/>
+            </a:pPr>
+            <a:r>
+              <a:rPr lang="en-CA" sz="1400" dirty="0">
+                <a:solidFill>
+                  <a:srgbClr val="FFFFFF"/>
+                </a:solidFill>
+              </a:rPr>
+              <a:t>Loan application data</a:t>
+            </a:r>
+            <a:endParaRPr sz="1400" dirty="0">
+              <a:solidFill>
+                <a:srgbClr val="FFFFFF"/>
+              </a:solidFill>
+            </a:endParaRPr>
+          </a:p>
+          <a:p>
+            <a:pPr marL="457200" marR="0" lvl="0" indent="-342900" algn="l" rtl="0">
+              <a:lnSpc>
+                <a:spcPct val="115000"/>
+              </a:lnSpc>
+              <a:spcBef>
+                <a:spcPts val="0"/>
+              </a:spcBef>
+              <a:spcAft>
+                <a:spcPts val="0"/>
+              </a:spcAft>
+              <a:buClr>
+                <a:srgbClr val="FFFFFF"/>
+              </a:buClr>
+              <a:buSzPts val="1800"/>
+              <a:buFont typeface="Nunito"/>
+              <a:buAutoNum type="arabicPeriod"/>
+            </a:pPr>
+            <a:r>
+              <a:rPr lang="en" sz="1800" dirty="0">
+                <a:solidFill>
+                  <a:srgbClr val="FFFFFF"/>
+                </a:solidFill>
+              </a:rPr>
+              <a:t>Exploratory Data Analysis</a:t>
+            </a:r>
+            <a:endParaRPr sz="1800" dirty="0">
+              <a:solidFill>
+                <a:srgbClr val="FFFFFF"/>
+              </a:solidFill>
+            </a:endParaRPr>
+          </a:p>
+          <a:p>
+            <a:pPr marL="914400" marR="0" lvl="1" indent="-317500" algn="l" rtl="0">
+              <a:lnSpc>
+                <a:spcPct val="115000"/>
+              </a:lnSpc>
+              <a:spcBef>
+                <a:spcPts val="0"/>
+              </a:spcBef>
+              <a:spcAft>
+                <a:spcPts val="0"/>
+              </a:spcAft>
+              <a:buClr>
+                <a:srgbClr val="FFFFFF"/>
+              </a:buClr>
+              <a:buSzPts val="1400"/>
+              <a:buAutoNum type="alphaLcPeriod"/>
+            </a:pPr>
+            <a:r>
+              <a:rPr lang="en-CA" sz="1400" dirty="0">
+                <a:solidFill>
+                  <a:srgbClr val="FFFFFF"/>
+                </a:solidFill>
+              </a:rPr>
+              <a:t>Correlated Variables</a:t>
+            </a:r>
+            <a:endParaRPr sz="1400" dirty="0">
+              <a:solidFill>
+                <a:srgbClr val="FFFFFF"/>
+              </a:solidFill>
+            </a:endParaRPr>
+          </a:p>
+          <a:p>
+            <a:pPr marL="457200" marR="0" lvl="0" indent="-342900" algn="l" rtl="0">
+              <a:lnSpc>
+                <a:spcPct val="115000"/>
+              </a:lnSpc>
+              <a:spcBef>
+                <a:spcPts val="0"/>
+              </a:spcBef>
+              <a:spcAft>
+                <a:spcPts val="0"/>
+              </a:spcAft>
+              <a:buClr>
+                <a:srgbClr val="FFFFFF"/>
+              </a:buClr>
+              <a:buSzPts val="1800"/>
+              <a:buFont typeface="Nunito"/>
+              <a:buAutoNum type="arabicPeriod"/>
+            </a:pPr>
+            <a:r>
+              <a:rPr lang="en" sz="1800" dirty="0">
+                <a:solidFill>
+                  <a:srgbClr val="FFFFFF"/>
+                </a:solidFill>
+              </a:rPr>
+              <a:t>Machine Learning Modelling</a:t>
+            </a:r>
+            <a:endParaRPr sz="1800" dirty="0">
+              <a:solidFill>
+                <a:srgbClr val="FFFFFF"/>
+              </a:solidFill>
+            </a:endParaRPr>
+          </a:p>
+          <a:p>
+            <a:pPr marL="914400" marR="0" lvl="1" indent="-317500" algn="l" rtl="0">
+              <a:lnSpc>
+                <a:spcPct val="115000"/>
+              </a:lnSpc>
+              <a:spcBef>
+                <a:spcPts val="0"/>
+              </a:spcBef>
+              <a:spcAft>
+                <a:spcPts val="0"/>
+              </a:spcAft>
+              <a:buClr>
+                <a:srgbClr val="FFFFFF"/>
+              </a:buClr>
+              <a:buSzPts val="1400"/>
+              <a:buAutoNum type="alphaLcPeriod"/>
+            </a:pPr>
+            <a:r>
+              <a:rPr lang="en-CA" sz="1400" dirty="0">
+                <a:solidFill>
+                  <a:srgbClr val="FFFFFF"/>
+                </a:solidFill>
+              </a:rPr>
+              <a:t>TensorFlow</a:t>
+            </a:r>
+          </a:p>
+          <a:p>
+            <a:pPr marL="914400" marR="0" lvl="1" indent="-317500" algn="l" rtl="0">
+              <a:lnSpc>
+                <a:spcPct val="115000"/>
+              </a:lnSpc>
+              <a:spcBef>
+                <a:spcPts val="0"/>
+              </a:spcBef>
+              <a:spcAft>
+                <a:spcPts val="0"/>
+              </a:spcAft>
+              <a:buClr>
+                <a:srgbClr val="FFFFFF"/>
+              </a:buClr>
+              <a:buSzPts val="1400"/>
+              <a:buAutoNum type="alphaLcPeriod"/>
+            </a:pPr>
+            <a:r>
+              <a:rPr lang="en-CA" sz="1400" dirty="0">
+                <a:solidFill>
+                  <a:srgbClr val="FFFFFF"/>
+                </a:solidFill>
+              </a:rPr>
+              <a:t>Random Forest</a:t>
+            </a:r>
+          </a:p>
+          <a:p>
+            <a:pPr marL="914400" marR="0" lvl="1" indent="-317500" algn="l" rtl="0">
+              <a:lnSpc>
+                <a:spcPct val="115000"/>
+              </a:lnSpc>
+              <a:spcBef>
+                <a:spcPts val="0"/>
+              </a:spcBef>
+              <a:spcAft>
+                <a:spcPts val="0"/>
+              </a:spcAft>
+              <a:buClr>
+                <a:srgbClr val="FFFFFF"/>
+              </a:buClr>
+              <a:buSzPts val="1400"/>
+              <a:buAutoNum type="alphaLcPeriod"/>
+            </a:pPr>
+            <a:r>
+              <a:rPr lang="en-CA" sz="1400" dirty="0">
+                <a:solidFill>
+                  <a:srgbClr val="FFFFFF"/>
+                </a:solidFill>
+              </a:rPr>
+              <a:t>GBM</a:t>
+            </a:r>
+          </a:p>
+          <a:p>
+            <a:pPr marL="914400" marR="0" lvl="1" indent="-317500" algn="l" rtl="0">
+              <a:lnSpc>
+                <a:spcPct val="115000"/>
+              </a:lnSpc>
+              <a:spcBef>
+                <a:spcPts val="0"/>
+              </a:spcBef>
+              <a:spcAft>
+                <a:spcPts val="0"/>
+              </a:spcAft>
+              <a:buClr>
+                <a:srgbClr val="FFFFFF"/>
+              </a:buClr>
+              <a:buSzPts val="1400"/>
+              <a:buAutoNum type="alphaLcPeriod"/>
+            </a:pPr>
+            <a:r>
+              <a:rPr lang="en-CA" sz="1400" dirty="0" err="1">
+                <a:solidFill>
+                  <a:srgbClr val="FFFFFF"/>
+                </a:solidFill>
+              </a:rPr>
+              <a:t>XGBoost</a:t>
+            </a:r>
+            <a:endParaRPr lang="en-CA" sz="1400" dirty="0">
+              <a:solidFill>
+                <a:srgbClr val="FFFFFF"/>
+              </a:solidFill>
+            </a:endParaRPr>
+          </a:p>
+          <a:p>
+            <a:pPr marL="914400" marR="0" lvl="1" indent="-317500" algn="l" rtl="0">
+              <a:lnSpc>
+                <a:spcPct val="115000"/>
+              </a:lnSpc>
+              <a:spcBef>
+                <a:spcPts val="0"/>
+              </a:spcBef>
+              <a:spcAft>
+                <a:spcPts val="0"/>
+              </a:spcAft>
+              <a:buClr>
+                <a:srgbClr val="FFFFFF"/>
+              </a:buClr>
+              <a:buSzPts val="1400"/>
+              <a:buAutoNum type="alphaLcPeriod"/>
+            </a:pPr>
+            <a:r>
+              <a:rPr lang="en-CA" sz="1400" dirty="0">
+                <a:solidFill>
+                  <a:srgbClr val="FFFFFF"/>
+                </a:solidFill>
+              </a:rPr>
+              <a:t>Voting Classifier</a:t>
+            </a:r>
+            <a:endParaRPr sz="1400" dirty="0">
+              <a:solidFill>
+                <a:srgbClr val="FFFFFF"/>
+              </a:solidFill>
+            </a:endParaRPr>
+          </a:p>
+          <a:p>
+            <a:pPr marL="457200" marR="0" lvl="0" indent="-342900" algn="l" rtl="0">
+              <a:lnSpc>
+                <a:spcPct val="115000"/>
+              </a:lnSpc>
+              <a:spcBef>
+                <a:spcPts val="0"/>
+              </a:spcBef>
+              <a:spcAft>
+                <a:spcPts val="0"/>
+              </a:spcAft>
+              <a:buClr>
+                <a:srgbClr val="FFFFFF"/>
+              </a:buClr>
+              <a:buSzPts val="1800"/>
+              <a:buFont typeface="Nunito"/>
+              <a:buAutoNum type="arabicPeriod"/>
+            </a:pPr>
+            <a:r>
+              <a:rPr lang="en" sz="1800" dirty="0">
+                <a:solidFill>
+                  <a:srgbClr val="FFFFFF"/>
+                </a:solidFill>
+              </a:rPr>
+              <a:t>Conclusion</a:t>
+            </a:r>
+            <a:br>
+              <a:rPr lang="en" sz="1800" dirty="0">
+                <a:solidFill>
+                  <a:srgbClr val="FFFFFF"/>
+                </a:solidFill>
+              </a:rPr>
+            </a:br>
+            <a:endParaRPr sz="1400" dirty="0">
+              <a:solidFill>
+                <a:srgbClr val="FFFFFF"/>
+              </a:solidFill>
+            </a:endParaRPr>
+          </a:p>
+          <a:p>
+            <a:pPr marL="0" lvl="0" indent="0" algn="l" rtl="0">
+              <a:spcBef>
+                <a:spcPts val="1600"/>
+              </a:spcBef>
+              <a:spcAft>
+                <a:spcPts val="1600"/>
+              </a:spcAft>
+              <a:buNone/>
+            </a:pPr>
+            <a:endParaRPr dirty="0">
+              <a:solidFill>
+                <a:srgbClr val="FFFFFF"/>
+              </a:solidFill>
+            </a:endParaRPr>
+          </a:p>
+        </p:txBody>
+      </p:sp>
+      <p:sp>
+        <p:nvSpPr>
+          <p:cNvPr id="288" name="Google Shape;288;p14"/>
+          <p:cNvSpPr txBox="1">
+            <a:spLocks noGrp="1"/>
+          </p:cNvSpPr>
+          <p:nvPr>
+            <p:ph type="sldNum" idx="12"/>
+          </p:nvPr>
+        </p:nvSpPr>
+        <p:spPr>
+          <a:prstGeom prst="rect">
+            <a:avLst/>
+          </a:prstGeom>
+        </p:spPr>
+        <p:txBody>
+          <a:bodyPr spcFirstLastPara="1" wrap="square" lIns="91425" tIns="91425" rIns="91425" bIns="91425" anchor="ctr" anchorCtr="0">
+            <a:noAutofit/>
+          </a:bodyPr>
+          <a:lstStyle/>
+          <a:p>
+            <a:pPr marL="0" lvl="0" indent="0" algn="r" rtl="0">
+              <a:spcBef>
+                <a:spcPts val="0"/>
+              </a:spcBef>
+              <a:spcAft>
+                <a:spcPts val="0"/>
+              </a:spcAft>
+              <a:buClr>
+                <a:srgbClr val="000000"/>
+              </a:buClr>
+              <a:buSzPts val="1100"/>
+              <a:buFont typeface="Arial"/>
+              <a:buNone/>
+            </a:pPr>
+            <a:fld id="{00000000-1234-1234-1234-123412341234}" type="slidenum">
+              <a:rPr lang="en">
+                <a:solidFill>
+                  <a:srgbClr val="FFFFFF"/>
+                </a:solidFill>
+              </a:rPr>
+              <a:t>2</a:t>
+            </a:fld>
+            <a:endParaRPr>
+              <a:solidFill>
+                <a:srgbClr val="FFFFFF"/>
+              </a:solidFill>
+            </a:endParaRPr>
+          </a:p>
+        </p:txBody>
+      </p:sp>
+    </p:spTree>
+  </p:cSld>
+  <p:clrMapOvr>
+    <a:masterClrMapping/>
+  </p:clrMapOvr>
+</p:sld>
+</file>
+
+<file path=ppt/slides/slide20.xml><?xml version="1.0" encoding="utf-8"?>
 <p:sld xmlns:a="http://schemas.openxmlformats.org/drawingml/2006/main" xmlns:r="http://schemas.openxmlformats.org/officeDocument/2006/relationships" xmlns:p="http://schemas.openxmlformats.org/presentationml/2006/main">
   <p:cSld>
     <p:bg>
@@ -29869,7 +30753,7 @@
             </a:pPr>
             <a:fld id="{00000000-1234-1234-1234-123412341234}" type="slidenum">
               <a:rPr lang="en"/>
-              <a:t>19</a:t>
+              <a:t>20</a:t>
             </a:fld>
             <a:endParaRPr/>
           </a:p>
@@ -29940,14 +30824,14 @@
           <p:nvPr>
             <p:extLst>
               <p:ext uri="{D42A27DB-BD31-4B8C-83A1-F6EECF244321}">
-                <p14:modId xmlns:p14="http://schemas.microsoft.com/office/powerpoint/2010/main" val="3026789077"/>
+                <p14:modId xmlns:p14="http://schemas.microsoft.com/office/powerpoint/2010/main" val="2380431100"/>
               </p:ext>
             </p:extLst>
           </p:nvPr>
         </p:nvGraphicFramePr>
         <p:xfrm>
-          <a:off x="2613698" y="1360209"/>
-          <a:ext cx="3749624" cy="1258095"/>
+          <a:off x="1020093" y="1548233"/>
+          <a:ext cx="2871305" cy="1623825"/>
         </p:xfrm>
         <a:graphic>
           <a:graphicData uri="http://schemas.openxmlformats.org/drawingml/2006/table">
@@ -29971,16 +30855,9 @@
                     </a:ext>
                   </a:extLst>
                 </a:gridCol>
-                <a:gridCol w="878319">
-                  <a:extLst>
-                    <a:ext uri="{9D8B030D-6E8A-4147-A177-3AD203B41FA5}">
-                      <a16:colId xmlns:a16="http://schemas.microsoft.com/office/drawing/2014/main" val="20002"/>
-                    </a:ext>
-                  </a:extLst>
-                </a:gridCol>
               </a:tblGrid>
-              <a:tr h="214100">
-                <a:tc>
+              <a:tr h="0">
+                <a:tc gridSpan="2">
                   <a:txBody>
                     <a:bodyPr/>
                     <a:lstStyle/>
@@ -30000,7 +30877,7 @@
                             <a:srgbClr val="FFFFFF"/>
                           </a:solidFill>
                         </a:rPr>
-                        <a:t>Model</a:t>
+                        <a:t>Metric</a:t>
                       </a:r>
                       <a:endParaRPr sz="1200" b="1" dirty="0">
                         <a:solidFill>
@@ -30019,78 +30896,7 @@
                       <a:headEnd type="none" w="sm" len="sm"/>
                       <a:tailEnd type="none" w="sm" len="sm"/>
                     </a:lnL>
-                    <a:lnR w="38100" cap="flat" cmpd="sng">
-                      <a:solidFill>
-                        <a:srgbClr val="9E9E9E"/>
-                      </a:solidFill>
-                      <a:prstDash val="solid"/>
-                      <a:round/>
-                      <a:headEnd type="none" w="sm" len="sm"/>
-                      <a:tailEnd type="none" w="sm" len="sm"/>
-                    </a:lnR>
-                    <a:lnT w="38100" cap="flat" cmpd="sng">
-                      <a:solidFill>
-                        <a:srgbClr val="9E9E9E"/>
-                      </a:solidFill>
-                      <a:prstDash val="solid"/>
-                      <a:round/>
-                      <a:headEnd type="none" w="sm" len="sm"/>
-                      <a:tailEnd type="none" w="sm" len="sm"/>
-                    </a:lnT>
-                    <a:lnB w="38100" cap="flat" cmpd="sng">
-                      <a:solidFill>
-                        <a:srgbClr val="9E9E9E"/>
-                      </a:solidFill>
-                      <a:prstDash val="solid"/>
-                      <a:round/>
-                      <a:headEnd type="none" w="sm" len="sm"/>
-                      <a:tailEnd type="none" w="sm" len="sm"/>
-                    </a:lnB>
-                    <a:solidFill>
-                      <a:srgbClr val="666666"/>
-                    </a:solidFill>
-                  </a:tcPr>
-                </a:tc>
-                <a:tc>
-                  <a:txBody>
-                    <a:bodyPr/>
-                    <a:lstStyle/>
-                    <a:p>
-                      <a:pPr marL="0" lvl="0" indent="0" algn="ctr" rtl="0">
-                        <a:spcBef>
-                          <a:spcPts val="0"/>
-                        </a:spcBef>
-                        <a:spcAft>
-                          <a:spcPts val="0"/>
-                        </a:spcAft>
-                        <a:buNone/>
-                      </a:pPr>
-                      <a:r>
-                        <a:rPr lang="en" sz="1200" b="1" dirty="0">
-                          <a:solidFill>
-                            <a:srgbClr val="FFFFFF"/>
-                          </a:solidFill>
-                        </a:rPr>
-                        <a:t>AUC</a:t>
-                      </a:r>
-                      <a:endParaRPr sz="1200" b="1" dirty="0">
-                        <a:solidFill>
-                          <a:srgbClr val="FFFFFF"/>
-                        </a:solidFill>
-                      </a:endParaRPr>
-                    </a:p>
-                  </a:txBody>
-                  <a:tcPr marL="91425" marR="91425" marT="91425" marB="91425" anchor="ctr">
-                    <a:lnL w="38100" cap="flat" cmpd="sng">
-                      <a:solidFill>
-                        <a:srgbClr val="9E9E9E"/>
-                      </a:solidFill>
-                      <a:prstDash val="solid"/>
-                      <a:round/>
-                      <a:headEnd type="none" w="sm" len="sm"/>
-                      <a:tailEnd type="none" w="sm" len="sm"/>
-                    </a:lnL>
-                    <a:lnR w="38100" cap="flat" cmpd="sng">
+                    <a:lnR w="38100" cap="flat" cmpd="sng" algn="ctr">
                       <a:solidFill>
                         <a:srgbClr val="9E9E9E"/>
                       </a:solidFill>
@@ -30118,11 +30924,13 @@
                       <a:tailEnd type="none" w="sm" len="sm"/>
                     </a:lnB>
                     <a:solidFill>
-                      <a:schemeClr val="tx2"/>
+                      <a:schemeClr val="accent1">
+                        <a:lumMod val="75000"/>
+                      </a:schemeClr>
                     </a:solidFill>
                   </a:tcPr>
                 </a:tc>
-                <a:tc>
+                <a:tc hMerge="1">
                   <a:txBody>
                     <a:bodyPr/>
                     <a:lstStyle/>
@@ -30136,14 +30944,6 @@
                         </a:spcAft>
                         <a:buNone/>
                       </a:pPr>
-                      <a:r>
-                        <a:rPr lang="en" sz="1200" b="1" dirty="0">
-                          <a:solidFill>
-                            <a:srgbClr val="FFFFFF"/>
-                          </a:solidFill>
-                        </a:rPr>
-                        <a:t>Accuracy</a:t>
-                      </a:r>
                       <a:endParaRPr sz="1200" b="1" dirty="0">
                         <a:solidFill>
                           <a:srgbClr val="FFFFFF"/>
@@ -30196,6 +30996,161 @@
                 <a:extLst>
                   <a:ext uri="{0D108BD9-81ED-4DB2-BD59-A6C34878D82A}">
                     <a16:rowId xmlns:a16="http://schemas.microsoft.com/office/drawing/2014/main" val="10000"/>
+                  </a:ext>
+                </a:extLst>
+              </a:tr>
+              <a:tr h="0">
+                <a:tc>
+                  <a:txBody>
+                    <a:bodyPr/>
+                    <a:lstStyle/>
+                    <a:p>
+                      <a:pPr marL="0" lvl="0" indent="0" algn="ctr" rtl="0">
+                        <a:spcBef>
+                          <a:spcPts val="0"/>
+                        </a:spcBef>
+                        <a:spcAft>
+                          <a:spcPts val="0"/>
+                        </a:spcAft>
+                        <a:buNone/>
+                      </a:pPr>
+                      <a:r>
+                        <a:rPr lang="en-CA" sz="1200" b="1" dirty="0">
+                          <a:solidFill>
+                            <a:srgbClr val="FFFFFF"/>
+                          </a:solidFill>
+                        </a:rPr>
+                        <a:t>Model</a:t>
+                      </a:r>
+                      <a:endParaRPr sz="1200" b="1" dirty="0">
+                        <a:solidFill>
+                          <a:srgbClr val="FFFFFF"/>
+                        </a:solidFill>
+                      </a:endParaRPr>
+                    </a:p>
+                  </a:txBody>
+                  <a:tcPr marL="91425" marR="91425" marT="91425" marB="91425" anchor="ctr">
+                    <a:lnL w="38100" cap="flat" cmpd="sng" algn="ctr">
+                      <a:solidFill>
+                        <a:srgbClr val="9E9E9E"/>
+                      </a:solidFill>
+                      <a:prstDash val="solid"/>
+                      <a:round/>
+                      <a:headEnd type="none" w="sm" len="sm"/>
+                      <a:tailEnd type="none" w="sm" len="sm"/>
+                    </a:lnL>
+                    <a:lnR w="38100" cap="flat" cmpd="sng" algn="ctr">
+                      <a:solidFill>
+                        <a:srgbClr val="9E9E9E"/>
+                      </a:solidFill>
+                      <a:prstDash val="solid"/>
+                      <a:round/>
+                      <a:headEnd type="none" w="sm" len="sm"/>
+                      <a:tailEnd type="none" w="sm" len="sm"/>
+                    </a:lnR>
+                    <a:lnT w="38100" cap="flat" cmpd="sng" algn="ctr">
+                      <a:solidFill>
+                        <a:srgbClr val="9E9E9E"/>
+                      </a:solidFill>
+                      <a:prstDash val="solid"/>
+                      <a:round/>
+                      <a:headEnd type="none" w="sm" len="sm"/>
+                      <a:tailEnd type="none" w="sm" len="sm"/>
+                    </a:lnT>
+                    <a:lnB w="38100" cap="flat" cmpd="sng">
+                      <a:solidFill>
+                        <a:srgbClr val="9E9E9E"/>
+                      </a:solidFill>
+                      <a:prstDash val="solid"/>
+                      <a:round/>
+                      <a:headEnd type="none" w="sm" len="sm"/>
+                      <a:tailEnd type="none" w="sm" len="sm"/>
+                    </a:lnB>
+                    <a:solidFill>
+                      <a:schemeClr val="tx2">
+                        <a:lumMod val="60000"/>
+                        <a:lumOff val="40000"/>
+                      </a:schemeClr>
+                    </a:solidFill>
+                  </a:tcPr>
+                </a:tc>
+                <a:tc>
+                  <a:txBody>
+                    <a:bodyPr/>
+                    <a:lstStyle/>
+                    <a:p>
+                      <a:pPr marL="0" lvl="0" indent="0" algn="ctr" rtl="0">
+                        <a:spcBef>
+                          <a:spcPts val="0"/>
+                        </a:spcBef>
+                        <a:spcAft>
+                          <a:spcPts val="0"/>
+                        </a:spcAft>
+                        <a:buNone/>
+                      </a:pPr>
+                      <a:r>
+                        <a:rPr lang="en-CA" sz="1200" b="1" dirty="0">
+                          <a:solidFill>
+                            <a:srgbClr val="FFFFFF"/>
+                          </a:solidFill>
+                        </a:rPr>
+                        <a:t>AUC</a:t>
+                      </a:r>
+                      <a:endParaRPr sz="1200" b="1" dirty="0">
+                        <a:solidFill>
+                          <a:srgbClr val="FFFFFF"/>
+                        </a:solidFill>
+                      </a:endParaRPr>
+                    </a:p>
+                  </a:txBody>
+                  <a:tcPr marL="91425" marR="91425" marT="91425" marB="91425" anchor="ctr">
+                    <a:lnL w="38100" cap="flat" cmpd="sng" algn="ctr">
+                      <a:solidFill>
+                        <a:srgbClr val="9E9E9E"/>
+                      </a:solidFill>
+                      <a:prstDash val="solid"/>
+                      <a:round/>
+                      <a:headEnd type="none" w="sm" len="sm"/>
+                      <a:tailEnd type="none" w="sm" len="sm"/>
+                    </a:lnL>
+                    <a:lnR w="38100" cap="flat" cmpd="sng" algn="ctr">
+                      <a:solidFill>
+                        <a:srgbClr val="9E9E9E"/>
+                      </a:solidFill>
+                      <a:prstDash val="solid"/>
+                      <a:round/>
+                      <a:headEnd type="none" w="sm" len="sm"/>
+                      <a:tailEnd type="none" w="sm" len="sm"/>
+                    </a:lnR>
+                    <a:lnT w="38100" cap="flat" cmpd="sng" algn="ctr">
+                      <a:solidFill>
+                        <a:srgbClr val="9E9E9E"/>
+                      </a:solidFill>
+                      <a:prstDash val="solid"/>
+                      <a:round/>
+                      <a:headEnd type="none" w="sm" len="sm"/>
+                      <a:tailEnd type="none" w="sm" len="sm"/>
+                    </a:lnT>
+                    <a:lnB w="38100" cap="flat" cmpd="sng" algn="ctr">
+                      <a:solidFill>
+                        <a:srgbClr val="9E9E9E"/>
+                      </a:solidFill>
+                      <a:prstDash val="solid"/>
+                      <a:round/>
+                      <a:headEnd type="none" w="sm" len="sm"/>
+                      <a:tailEnd type="none" w="sm" len="sm"/>
+                    </a:lnB>
+                    <a:solidFill>
+                      <a:schemeClr val="tx2">
+                        <a:lumMod val="60000"/>
+                        <a:lumOff val="40000"/>
+                      </a:schemeClr>
+                    </a:solidFill>
+                  </a:tcPr>
+                </a:tc>
+                <a:extLst>
+                  <a:ext uri="{0D108BD9-81ED-4DB2-BD59-A6C34878D82A}">
+                    <a16:rowId xmlns:a16="http://schemas.microsoft.com/office/drawing/2014/main" val="1421264501"/>
                   </a:ext>
                 </a:extLst>
               </a:tr>
@@ -30281,63 +31236,7 @@
                           </a:solidFill>
                           <a:effectLst/>
                         </a:rPr>
-                        <a:t>0.9732</a:t>
-                      </a:r>
-                    </a:p>
-                  </a:txBody>
-                  <a:tcPr anchor="ctr">
-                    <a:lnL w="38100" cap="flat" cmpd="sng">
-                      <a:solidFill>
-                        <a:srgbClr val="9E9E9E"/>
-                      </a:solidFill>
-                      <a:prstDash val="solid"/>
-                      <a:round/>
-                      <a:headEnd type="none" w="sm" len="sm"/>
-                      <a:tailEnd type="none" w="sm" len="sm"/>
-                    </a:lnL>
-                    <a:lnR w="38100" cap="flat" cmpd="sng">
-                      <a:solidFill>
-                        <a:srgbClr val="9E9E9E"/>
-                      </a:solidFill>
-                      <a:prstDash val="solid"/>
-                      <a:round/>
-                      <a:headEnd type="none" w="sm" len="sm"/>
-                      <a:tailEnd type="none" w="sm" len="sm"/>
-                    </a:lnR>
-                    <a:lnT w="38100" cap="flat" cmpd="sng">
-                      <a:solidFill>
-                        <a:srgbClr val="9E9E9E"/>
-                      </a:solidFill>
-                      <a:prstDash val="solid"/>
-                      <a:round/>
-                      <a:headEnd type="none" w="sm" len="sm"/>
-                      <a:tailEnd type="none" w="sm" len="sm"/>
-                    </a:lnT>
-                    <a:lnB w="38100" cap="flat" cmpd="sng" algn="ctr">
-                      <a:solidFill>
-                        <a:srgbClr val="9E9E9E"/>
-                      </a:solidFill>
-                      <a:prstDash val="solid"/>
-                      <a:round/>
-                      <a:headEnd type="none" w="sm" len="sm"/>
-                      <a:tailEnd type="none" w="sm" len="sm"/>
-                    </a:lnB>
-                  </a:tcPr>
-                </a:tc>
-                <a:tc>
-                  <a:txBody>
-                    <a:bodyPr/>
-                    <a:lstStyle/>
-                    <a:p>
-                      <a:pPr algn="r" fontAlgn="ctr"/>
-                      <a:r>
-                        <a:rPr lang="en-CA" sz="1000" dirty="0">
-                          <a:solidFill>
-                            <a:schemeClr val="bg1"/>
-                          </a:solidFill>
-                          <a:effectLst/>
-                        </a:rPr>
-                        <a:t>94.43 %</a:t>
+                        <a:t>0.7393</a:t>
                       </a:r>
                     </a:p>
                   </a:txBody>
@@ -30481,88 +31380,7 @@
                           <a:ea typeface="Calibri" panose="020F0502020204030204" pitchFamily="34" charset="0"/>
                           <a:cs typeface="Times New Roman" panose="02020603050405020304" pitchFamily="18" charset="0"/>
                         </a:rPr>
-                        <a:t>0.9718</a:t>
-                      </a:r>
-                      <a:endParaRPr lang="en-CA" sz="1000" dirty="0">
-                        <a:solidFill>
-                          <a:schemeClr val="bg1"/>
-                        </a:solidFill>
-                        <a:effectLst/>
-                        <a:latin typeface="+mj-lt"/>
-                        <a:ea typeface="Calibri" panose="020F0502020204030204" pitchFamily="34" charset="0"/>
-                        <a:cs typeface="Times New Roman" panose="02020603050405020304" pitchFamily="18" charset="0"/>
-                      </a:endParaRPr>
-                    </a:p>
-                  </a:txBody>
-                  <a:tcPr marL="68580" marR="68580" marT="0" marB="0">
-                    <a:lnL w="38100" cap="flat" cmpd="sng">
-                      <a:solidFill>
-                        <a:srgbClr val="9E9E9E"/>
-                      </a:solidFill>
-                      <a:prstDash val="solid"/>
-                      <a:round/>
-                      <a:headEnd type="none" w="sm" len="sm"/>
-                      <a:tailEnd type="none" w="sm" len="sm"/>
-                    </a:lnL>
-                    <a:lnR w="38100" cap="flat" cmpd="sng">
-                      <a:solidFill>
-                        <a:srgbClr val="9E9E9E"/>
-                      </a:solidFill>
-                      <a:prstDash val="solid"/>
-                      <a:round/>
-                      <a:headEnd type="none" w="sm" len="sm"/>
-                      <a:tailEnd type="none" w="sm" len="sm"/>
-                    </a:lnR>
-                    <a:lnT w="38100" cap="flat" cmpd="sng" algn="ctr">
-                      <a:solidFill>
-                        <a:srgbClr val="9E9E9E"/>
-                      </a:solidFill>
-                      <a:prstDash val="solid"/>
-                      <a:round/>
-                      <a:headEnd type="none" w="sm" len="sm"/>
-                      <a:tailEnd type="none" w="sm" len="sm"/>
-                    </a:lnT>
-                    <a:lnB w="38100" cap="flat" cmpd="sng" algn="ctr">
-                      <a:solidFill>
-                        <a:srgbClr val="9E9E9E"/>
-                      </a:solidFill>
-                      <a:prstDash val="solid"/>
-                      <a:round/>
-                      <a:headEnd type="none" w="sm" len="sm"/>
-                      <a:tailEnd type="none" w="sm" len="sm"/>
-                    </a:lnB>
-                    <a:solidFill>
-                      <a:schemeClr val="accent3"/>
-                    </a:solidFill>
-                  </a:tcPr>
-                </a:tc>
-                <a:tc>
-                  <a:txBody>
-                    <a:bodyPr/>
-                    <a:lstStyle/>
-                    <a:p>
-                      <a:pPr algn="r">
-                        <a:lnSpc>
-                          <a:spcPct val="107000"/>
-                        </a:lnSpc>
-                        <a:spcBef>
-                          <a:spcPts val="1200"/>
-                        </a:spcBef>
-                        <a:spcAft>
-                          <a:spcPts val="0"/>
-                        </a:spcAft>
-                      </a:pPr>
-                      <a:r>
-                        <a:rPr lang="en-CA" sz="1000" b="1" cap="all" dirty="0">
-                          <a:solidFill>
-                            <a:schemeClr val="bg1"/>
-                          </a:solidFill>
-                          <a:effectLst/>
-                          <a:latin typeface="+mj-lt"/>
-                          <a:ea typeface="Calibri" panose="020F0502020204030204" pitchFamily="34" charset="0"/>
-                          <a:cs typeface="Times New Roman" panose="02020603050405020304" pitchFamily="18" charset="0"/>
-                        </a:rPr>
-                        <a:t>95.57 %</a:t>
+                        <a:t>0.7450</a:t>
                       </a:r>
                       <a:endParaRPr lang="en-CA" sz="1000" dirty="0">
                         <a:solidFill>
@@ -30718,79 +31536,7 @@
                           <a:ea typeface="Calibri" panose="020F0502020204030204" pitchFamily="34" charset="0"/>
                           <a:cs typeface="Times New Roman" panose="02020603050405020304" pitchFamily="18" charset="0"/>
                         </a:rPr>
-                        <a:t>0.9811</a:t>
-                      </a:r>
-                    </a:p>
-                  </a:txBody>
-                  <a:tcPr marL="68580" marR="68580" marT="0" marB="0">
-                    <a:lnL w="38100" cap="flat" cmpd="sng" algn="ctr">
-                      <a:solidFill>
-                        <a:srgbClr val="9E9E9E"/>
-                      </a:solidFill>
-                      <a:prstDash val="solid"/>
-                      <a:round/>
-                      <a:headEnd type="none" w="sm" len="sm"/>
-                      <a:tailEnd type="none" w="sm" len="sm"/>
-                    </a:lnL>
-                    <a:lnR w="38100" cap="flat" cmpd="sng" algn="ctr">
-                      <a:solidFill>
-                        <a:srgbClr val="9E9E9E"/>
-                      </a:solidFill>
-                      <a:prstDash val="solid"/>
-                      <a:round/>
-                      <a:headEnd type="none" w="sm" len="sm"/>
-                      <a:tailEnd type="none" w="sm" len="sm"/>
-                    </a:lnR>
-                    <a:lnT w="38100" cap="flat" cmpd="sng" algn="ctr">
-                      <a:solidFill>
-                        <a:srgbClr val="9E9E9E"/>
-                      </a:solidFill>
-                      <a:prstDash val="solid"/>
-                      <a:round/>
-                      <a:headEnd type="none" w="sm" len="sm"/>
-                      <a:tailEnd type="none" w="sm" len="sm"/>
-                    </a:lnT>
-                    <a:lnB w="38100" cap="flat" cmpd="sng" algn="ctr">
-                      <a:solidFill>
-                        <a:srgbClr val="9E9E9E"/>
-                      </a:solidFill>
-                      <a:prstDash val="solid"/>
-                      <a:round/>
-                      <a:headEnd type="none" w="sm" len="sm"/>
-                      <a:tailEnd type="none" w="sm" len="sm"/>
-                    </a:lnB>
-                    <a:solidFill>
-                      <a:schemeClr val="accent3"/>
-                    </a:solidFill>
-                  </a:tcPr>
-                </a:tc>
-                <a:tc>
-                  <a:txBody>
-                    <a:bodyPr/>
-                    <a:lstStyle/>
-                    <a:p>
-                      <a:pPr algn="r">
-                        <a:lnSpc>
-                          <a:spcPct val="107000"/>
-                        </a:lnSpc>
-                        <a:spcBef>
-                          <a:spcPts val="1200"/>
-                        </a:spcBef>
-                        <a:spcAft>
-                          <a:spcPts val="0"/>
-                        </a:spcAft>
-                      </a:pPr>
-                      <a:r>
-                        <a:rPr lang="en-CA" sz="1000" dirty="0">
-                          <a:solidFill>
-                            <a:schemeClr val="bg1"/>
-                          </a:solidFill>
-                          <a:effectLst/>
-                          <a:latin typeface="+mj-lt"/>
-                          <a:ea typeface="Calibri" panose="020F0502020204030204" pitchFamily="34" charset="0"/>
-                          <a:cs typeface="Times New Roman" panose="02020603050405020304" pitchFamily="18" charset="0"/>
-                        </a:rPr>
-                        <a:t>95.57 %</a:t>
+                        <a:t>0.7541</a:t>
                       </a:r>
                     </a:p>
                   </a:txBody>
@@ -30933,110 +31679,17 @@
                             <a:schemeClr val="bg1"/>
                           </a:solidFill>
                           <a:effectLst/>
-                          <a:highlight>
-                            <a:srgbClr val="00FFFF"/>
-                          </a:highlight>
                           <a:latin typeface="+mj-lt"/>
                           <a:ea typeface="Times New Roman" panose="02020603050405020304" pitchFamily="18" charset="0"/>
                           <a:cs typeface="Times New Roman" panose="02020603050405020304" pitchFamily="18" charset="0"/>
                         </a:rPr>
-                        <a:t>0.9812</a:t>
+                        <a:t>0.7537</a:t>
                       </a:r>
                       <a:endParaRPr lang="en-CA" sz="1000" dirty="0">
                         <a:solidFill>
                           <a:schemeClr val="bg1"/>
                         </a:solidFill>
                         <a:effectLst/>
-                        <a:highlight>
-                          <a:srgbClr val="00FFFF"/>
-                        </a:highlight>
-                        <a:latin typeface="+mj-lt"/>
-                        <a:ea typeface="Calibri" panose="020F0502020204030204" pitchFamily="34" charset="0"/>
-                        <a:cs typeface="Times New Roman" panose="02020603050405020304" pitchFamily="18" charset="0"/>
-                      </a:endParaRPr>
-                    </a:p>
-                  </a:txBody>
-                  <a:tcPr marL="68580" marR="68580" marT="0" marB="0">
-                    <a:lnL w="38100" cap="flat" cmpd="sng" algn="ctr">
-                      <a:solidFill>
-                        <a:srgbClr val="9E9E9E"/>
-                      </a:solidFill>
-                      <a:prstDash val="solid"/>
-                      <a:round/>
-                      <a:headEnd type="none" w="sm" len="sm"/>
-                      <a:tailEnd type="none" w="sm" len="sm"/>
-                    </a:lnL>
-                    <a:lnR w="38100" cap="flat" cmpd="sng" algn="ctr">
-                      <a:solidFill>
-                        <a:srgbClr val="9E9E9E"/>
-                      </a:solidFill>
-                      <a:prstDash val="solid"/>
-                      <a:round/>
-                      <a:headEnd type="none" w="sm" len="sm"/>
-                      <a:tailEnd type="none" w="sm" len="sm"/>
-                    </a:lnR>
-                    <a:lnT w="38100" cap="flat" cmpd="sng" algn="ctr">
-                      <a:solidFill>
-                        <a:srgbClr val="9E9E9E"/>
-                      </a:solidFill>
-                      <a:prstDash val="solid"/>
-                      <a:round/>
-                      <a:headEnd type="none" w="sm" len="sm"/>
-                      <a:tailEnd type="none" w="sm" len="sm"/>
-                    </a:lnT>
-                    <a:lnB w="38100" cap="flat" cmpd="sng">
-                      <a:solidFill>
-                        <a:srgbClr val="9E9E9E"/>
-                      </a:solidFill>
-                      <a:prstDash val="solid"/>
-                      <a:round/>
-                      <a:headEnd type="none" w="sm" len="sm"/>
-                      <a:tailEnd type="none" w="sm" len="sm"/>
-                    </a:lnB>
-                    <a:solidFill>
-                      <a:schemeClr val="accent3"/>
-                    </a:solidFill>
-                  </a:tcPr>
-                </a:tc>
-                <a:tc>
-                  <a:txBody>
-                    <a:bodyPr/>
-                    <a:lstStyle/>
-                    <a:p>
-                      <a:pPr algn="r">
-                        <a:lnSpc>
-                          <a:spcPct val="107000"/>
-                        </a:lnSpc>
-                        <a:spcBef>
-                          <a:spcPts val="1200"/>
-                        </a:spcBef>
-                        <a:spcAft>
-                          <a:spcPts val="0"/>
-                        </a:spcAft>
-                      </a:pPr>
-                      <a:r>
-                        <a:rPr lang="en-CA" sz="1000" b="1" cap="all" dirty="0">
-                          <a:solidFill>
-                            <a:schemeClr val="bg1"/>
-                          </a:solidFill>
-                          <a:effectLst/>
-                          <a:highlight>
-                            <a:srgbClr val="00FFFF"/>
-                          </a:highlight>
-                          <a:latin typeface="+mj-lt"/>
-                          <a:ea typeface="Calibri" panose="020F0502020204030204" pitchFamily="34" charset="0"/>
-                          <a:cs typeface="Times New Roman" panose="02020603050405020304" pitchFamily="18" charset="0"/>
-                        </a:rPr>
-                        <a:t>95.61 %</a:t>
-                      </a:r>
-                      <a:endParaRPr lang="en-CA" sz="1000" dirty="0">
-                        <a:solidFill>
-                          <a:schemeClr val="bg1"/>
-                        </a:solidFill>
-                        <a:effectLst/>
-                        <a:highlight>
-                          <a:srgbClr val="00FFFF"/>
-                        </a:highlight>
                         <a:latin typeface="+mj-lt"/>
                         <a:ea typeface="Calibri" panose="020F0502020204030204" pitchFamily="34" charset="0"/>
                         <a:cs typeface="Times New Roman" panose="02020603050405020304" pitchFamily="18" charset="0"/>
@@ -31103,7 +31756,7 @@
         </p:nvSpPr>
         <p:spPr>
           <a:xfrm>
-            <a:off x="3142154" y="2723434"/>
+            <a:off x="3058209" y="3490483"/>
             <a:ext cx="3044716" cy="701937"/>
           </a:xfrm>
           <a:prstGeom prst="rect">
@@ -31176,7 +31829,35 @@
                 <a:cs typeface="Nunito"/>
                 <a:sym typeface="Nunito"/>
               </a:rPr>
-              <a:t>XGBoost model got the best AUC and accuracy score</a:t>
+              <a:t>GBM model got the best AUC score</a:t>
+            </a:r>
+          </a:p>
+          <a:p>
+            <a:pPr marL="457200" lvl="0" indent="-292100" algn="l" rtl="0">
+              <a:spcBef>
+                <a:spcPts val="0"/>
+              </a:spcBef>
+              <a:spcAft>
+                <a:spcPts val="0"/>
+              </a:spcAft>
+              <a:buClr>
+                <a:srgbClr val="FFFFFF"/>
+              </a:buClr>
+              <a:buSzPts val="1000"/>
+              <a:buFont typeface="Nunito"/>
+              <a:buChar char="●"/>
+            </a:pPr>
+            <a:r>
+              <a:rPr lang="en" sz="1000" dirty="0">
+                <a:solidFill>
+                  <a:srgbClr val="FFFFFF"/>
+                </a:solidFill>
+                <a:latin typeface="Nunito"/>
+                <a:ea typeface="Nunito"/>
+                <a:cs typeface="Nunito"/>
+                <a:sym typeface="Nunito"/>
+              </a:rPr>
+              <a:t>Low values of EXT_3_2, EXT_3_1 scores in the male population are important to scrutiy for loan approval</a:t>
             </a:r>
             <a:endParaRPr sz="1000" dirty="0">
               <a:solidFill>
@@ -31204,7 +31885,7 @@
         </p:nvSpPr>
         <p:spPr>
           <a:xfrm>
-            <a:off x="2657423" y="3635630"/>
+            <a:off x="2657423" y="4433915"/>
             <a:ext cx="4014178" cy="444972"/>
           </a:xfrm>
           <a:prstGeom prst="round2DiagRect">
@@ -31236,13 +31917,13 @@
               <a:buNone/>
             </a:pPr>
             <a:r>
-              <a:rPr lang="en-CA" dirty="0">
+              <a:rPr lang="en-US" dirty="0">
                 <a:solidFill>
                   <a:schemeClr val="bg1"/>
                 </a:solidFill>
                 <a:hlinkClick r:id="rId3"/>
               </a:rPr>
-              <a:t>GitHub Link for time-series forecast modelling </a:t>
+              <a:t>GitHub Link for loan defaulter classification </a:t>
             </a:r>
             <a:endParaRPr dirty="0">
               <a:solidFill>
@@ -31252,806 +31933,376 @@
           </a:p>
         </p:txBody>
       </p:sp>
+      <p:graphicFrame>
+        <p:nvGraphicFramePr>
+          <p:cNvPr id="2" name="Table 2">
+            <a:extLst>
+              <a:ext uri="{FF2B5EF4-FFF2-40B4-BE49-F238E27FC236}">
+                <a16:creationId xmlns:a16="http://schemas.microsoft.com/office/drawing/2014/main" id="{02A3E99A-80A1-4154-A2DD-72AE18AC8506}"/>
+              </a:ext>
+            </a:extLst>
+          </p:cNvPr>
+          <p:cNvGraphicFramePr>
+            <a:graphicFrameLocks noGrp="1"/>
+          </p:cNvGraphicFramePr>
+          <p:nvPr>
+            <p:extLst>
+              <p:ext uri="{D42A27DB-BD31-4B8C-83A1-F6EECF244321}">
+                <p14:modId xmlns:p14="http://schemas.microsoft.com/office/powerpoint/2010/main" val="3904383257"/>
+              </p:ext>
+            </p:extLst>
+          </p:nvPr>
+        </p:nvGraphicFramePr>
+        <p:xfrm>
+          <a:off x="4572000" y="1095625"/>
+          <a:ext cx="3955915" cy="2438400"/>
+        </p:xfrm>
+        <a:graphic>
+          <a:graphicData uri="http://schemas.openxmlformats.org/drawingml/2006/table">
+            <a:tbl>
+              <a:tblPr firstRow="1" bandRow="1">
+                <a:tableStyleId>{3C2FFA5D-87B4-456A-9821-1D502468CF0F}</a:tableStyleId>
+              </a:tblPr>
+              <a:tblGrid>
+                <a:gridCol w="1089343">
+                  <a:extLst>
+                    <a:ext uri="{9D8B030D-6E8A-4147-A177-3AD203B41FA5}">
+                      <a16:colId xmlns:a16="http://schemas.microsoft.com/office/drawing/2014/main" val="2132796854"/>
+                    </a:ext>
+                  </a:extLst>
+                </a:gridCol>
+                <a:gridCol w="1785257">
+                  <a:extLst>
+                    <a:ext uri="{9D8B030D-6E8A-4147-A177-3AD203B41FA5}">
+                      <a16:colId xmlns:a16="http://schemas.microsoft.com/office/drawing/2014/main" val="3977751568"/>
+                    </a:ext>
+                  </a:extLst>
+                </a:gridCol>
+                <a:gridCol w="1081315">
+                  <a:extLst>
+                    <a:ext uri="{9D8B030D-6E8A-4147-A177-3AD203B41FA5}">
+                      <a16:colId xmlns:a16="http://schemas.microsoft.com/office/drawing/2014/main" val="4287436067"/>
+                    </a:ext>
+                  </a:extLst>
+                </a:gridCol>
+              </a:tblGrid>
+              <a:tr h="548640">
+                <a:tc gridSpan="3">
+                  <a:txBody>
+                    <a:bodyPr/>
+                    <a:lstStyle/>
+                    <a:p>
+                      <a:r>
+                        <a:rPr lang="en-CA" sz="1000" dirty="0">
+                          <a:solidFill>
+                            <a:schemeClr val="bg1"/>
+                          </a:solidFill>
+                        </a:rPr>
+                        <a:t>Top 3 Important Features from the Models</a:t>
+                      </a:r>
+                    </a:p>
+                  </a:txBody>
+                  <a:tcPr/>
+                </a:tc>
+                <a:tc hMerge="1">
+                  <a:txBody>
+                    <a:bodyPr/>
+                    <a:lstStyle/>
+                    <a:p>
+                      <a:endParaRPr lang="en-CA" dirty="0">
+                        <a:solidFill>
+                          <a:schemeClr val="bg1"/>
+                        </a:solidFill>
+                      </a:endParaRPr>
+                    </a:p>
+                  </a:txBody>
+                  <a:tcPr/>
+                </a:tc>
+                <a:tc hMerge="1">
+                  <a:txBody>
+                    <a:bodyPr/>
+                    <a:lstStyle/>
+                    <a:p>
+                      <a:endParaRPr lang="en-CA" dirty="0">
+                        <a:solidFill>
+                          <a:schemeClr val="bg1"/>
+                        </a:solidFill>
+                      </a:endParaRPr>
+                    </a:p>
+                  </a:txBody>
+                  <a:tcPr/>
+                </a:tc>
+                <a:extLst>
+                  <a:ext uri="{0D108BD9-81ED-4DB2-BD59-A6C34878D82A}">
+                    <a16:rowId xmlns:a16="http://schemas.microsoft.com/office/drawing/2014/main" val="2582395927"/>
+                  </a:ext>
+                </a:extLst>
+              </a:tr>
+              <a:tr h="344417">
+                <a:tc>
+                  <a:txBody>
+                    <a:bodyPr/>
+                    <a:lstStyle/>
+                    <a:p>
+                      <a:r>
+                        <a:rPr lang="en-CA" sz="1000" dirty="0">
+                          <a:solidFill>
+                            <a:schemeClr val="bg1"/>
+                          </a:solidFill>
+                        </a:rPr>
+                        <a:t>Models</a:t>
+                      </a:r>
+                      <a:endParaRPr lang="en-CA" sz="1000" dirty="0"/>
+                    </a:p>
+                  </a:txBody>
+                  <a:tcPr/>
+                </a:tc>
+                <a:tc>
+                  <a:txBody>
+                    <a:bodyPr/>
+                    <a:lstStyle/>
+                    <a:p>
+                      <a:pPr marL="0" marR="0" lvl="0" indent="0" algn="l" defTabSz="914400" rtl="0" eaLnBrk="1" fontAlgn="auto" latinLnBrk="0" hangingPunct="1">
+                        <a:lnSpc>
+                          <a:spcPct val="100000"/>
+                        </a:lnSpc>
+                        <a:spcBef>
+                          <a:spcPts val="0"/>
+                        </a:spcBef>
+                        <a:spcAft>
+                          <a:spcPts val="0"/>
+                        </a:spcAft>
+                        <a:buClr>
+                          <a:srgbClr val="000000"/>
+                        </a:buClr>
+                        <a:buSzTx/>
+                        <a:buFont typeface="Arial"/>
+                        <a:buNone/>
+                        <a:tabLst/>
+                        <a:defRPr/>
+                      </a:pPr>
+                      <a:r>
+                        <a:rPr lang="en-CA" sz="1000" dirty="0">
+                          <a:solidFill>
+                            <a:schemeClr val="bg1"/>
+                          </a:solidFill>
+                        </a:rPr>
+                        <a:t>Negative Correlation</a:t>
+                      </a:r>
+                    </a:p>
+                  </a:txBody>
+                  <a:tcPr/>
+                </a:tc>
+                <a:tc>
+                  <a:txBody>
+                    <a:bodyPr/>
+                    <a:lstStyle/>
+                    <a:p>
+                      <a:r>
+                        <a:rPr lang="en-CA" sz="1000" dirty="0">
+                          <a:solidFill>
+                            <a:schemeClr val="bg1"/>
+                          </a:solidFill>
+                        </a:rPr>
+                        <a:t>Positive Correlation</a:t>
+                      </a:r>
+                    </a:p>
+                  </a:txBody>
+                  <a:tcPr/>
+                </a:tc>
+                <a:extLst>
+                  <a:ext uri="{0D108BD9-81ED-4DB2-BD59-A6C34878D82A}">
+                    <a16:rowId xmlns:a16="http://schemas.microsoft.com/office/drawing/2014/main" val="2195290134"/>
+                  </a:ext>
+                </a:extLst>
+              </a:tr>
+              <a:tr h="370840">
+                <a:tc>
+                  <a:txBody>
+                    <a:bodyPr/>
+                    <a:lstStyle/>
+                    <a:p>
+                      <a:r>
+                        <a:rPr lang="en-CA" sz="1000" dirty="0">
+                          <a:solidFill>
+                            <a:schemeClr val="bg1"/>
+                          </a:solidFill>
+                        </a:rPr>
+                        <a:t>Random Forest</a:t>
+                      </a:r>
+                    </a:p>
+                  </a:txBody>
+                  <a:tcPr/>
+                </a:tc>
+                <a:tc>
+                  <a:txBody>
+                    <a:bodyPr/>
+                    <a:lstStyle/>
+                    <a:p>
+                      <a:r>
+                        <a:rPr lang="en-CA" sz="1000" dirty="0">
+                          <a:solidFill>
+                            <a:schemeClr val="bg1"/>
+                          </a:solidFill>
+                        </a:rPr>
+                        <a:t>EXT_3_2, EXT_3_1, EXT_2_1</a:t>
+                      </a:r>
+                    </a:p>
+                  </a:txBody>
+                  <a:tcPr/>
+                </a:tc>
+                <a:tc>
+                  <a:txBody>
+                    <a:bodyPr/>
+                    <a:lstStyle/>
+                    <a:p>
+                      <a:r>
+                        <a:rPr lang="en-CA" sz="1000" dirty="0">
+                          <a:solidFill>
+                            <a:schemeClr val="bg1"/>
+                          </a:solidFill>
+                        </a:rPr>
+                        <a:t>-</a:t>
+                      </a:r>
+                    </a:p>
+                  </a:txBody>
+                  <a:tcPr/>
+                </a:tc>
+                <a:extLst>
+                  <a:ext uri="{0D108BD9-81ED-4DB2-BD59-A6C34878D82A}">
+                    <a16:rowId xmlns:a16="http://schemas.microsoft.com/office/drawing/2014/main" val="161489018"/>
+                  </a:ext>
+                </a:extLst>
+              </a:tr>
+              <a:tr h="370840">
+                <a:tc>
+                  <a:txBody>
+                    <a:bodyPr/>
+                    <a:lstStyle/>
+                    <a:p>
+                      <a:r>
+                        <a:rPr lang="en-CA" sz="1000" dirty="0">
+                          <a:solidFill>
+                            <a:schemeClr val="bg1"/>
+                          </a:solidFill>
+                        </a:rPr>
+                        <a:t>GBM</a:t>
+                      </a:r>
+                    </a:p>
+                  </a:txBody>
+                  <a:tcPr/>
+                </a:tc>
+                <a:tc>
+                  <a:txBody>
+                    <a:bodyPr/>
+                    <a:lstStyle/>
+                    <a:p>
+                      <a:r>
+                        <a:rPr lang="en-CA" sz="1000" dirty="0">
+                          <a:solidFill>
+                            <a:schemeClr val="bg1"/>
+                          </a:solidFill>
+                        </a:rPr>
+                        <a:t>EXT_3_2, EXT_3_1, EXT_SOURCE_3</a:t>
+                      </a:r>
+                    </a:p>
+                  </a:txBody>
+                  <a:tcPr/>
+                </a:tc>
+                <a:tc>
+                  <a:txBody>
+                    <a:bodyPr/>
+                    <a:lstStyle/>
+                    <a:p>
+                      <a:r>
+                        <a:rPr lang="en-CA" sz="1000" dirty="0">
+                          <a:solidFill>
+                            <a:schemeClr val="bg1"/>
+                          </a:solidFill>
+                        </a:rPr>
+                        <a:t>-</a:t>
+                      </a:r>
+                    </a:p>
+                  </a:txBody>
+                  <a:tcPr/>
+                </a:tc>
+                <a:extLst>
+                  <a:ext uri="{0D108BD9-81ED-4DB2-BD59-A6C34878D82A}">
+                    <a16:rowId xmlns:a16="http://schemas.microsoft.com/office/drawing/2014/main" val="4196026506"/>
+                  </a:ext>
+                </a:extLst>
+              </a:tr>
+              <a:tr h="370840">
+                <a:tc>
+                  <a:txBody>
+                    <a:bodyPr/>
+                    <a:lstStyle/>
+                    <a:p>
+                      <a:r>
+                        <a:rPr lang="en-CA" sz="1000" dirty="0" err="1">
+                          <a:solidFill>
+                            <a:schemeClr val="bg1"/>
+                          </a:solidFill>
+                        </a:rPr>
+                        <a:t>XGBoost</a:t>
+                      </a:r>
+                      <a:endParaRPr lang="en-CA" sz="1000" dirty="0">
+                        <a:solidFill>
+                          <a:schemeClr val="bg1"/>
+                        </a:solidFill>
+                      </a:endParaRPr>
+                    </a:p>
+                  </a:txBody>
+                  <a:tcPr/>
+                </a:tc>
+                <a:tc>
+                  <a:txBody>
+                    <a:bodyPr/>
+                    <a:lstStyle/>
+                    <a:p>
+                      <a:r>
+                        <a:rPr lang="en-CA" sz="1000" dirty="0">
+                          <a:solidFill>
+                            <a:schemeClr val="bg1"/>
+                          </a:solidFill>
+                        </a:rPr>
+                        <a:t>EXT_3_2, ANNUINITY_OVER_CREDIT, </a:t>
+                      </a:r>
+                    </a:p>
+                  </a:txBody>
+                  <a:tcPr/>
+                </a:tc>
+                <a:tc>
+                  <a:txBody>
+                    <a:bodyPr/>
+                    <a:lstStyle/>
+                    <a:p>
+                      <a:r>
+                        <a:rPr lang="en-CA" sz="1000" dirty="0">
+                          <a:solidFill>
+                            <a:schemeClr val="bg1"/>
+                          </a:solidFill>
+                        </a:rPr>
+                        <a:t>ANNUINITY_OVER_CREDIT, CODE_GENDER_M</a:t>
+                      </a:r>
+                    </a:p>
+                  </a:txBody>
+                  <a:tcPr/>
+                </a:tc>
+                <a:extLst>
+                  <a:ext uri="{0D108BD9-81ED-4DB2-BD59-A6C34878D82A}">
+                    <a16:rowId xmlns:a16="http://schemas.microsoft.com/office/drawing/2014/main" val="3974088826"/>
+                  </a:ext>
+                </a:extLst>
+              </a:tr>
+            </a:tbl>
+          </a:graphicData>
+        </a:graphic>
+      </p:graphicFrame>
     </p:spTree>
     <p:extLst>
       <p:ext uri="{BB962C8B-B14F-4D97-AF65-F5344CB8AC3E}">
         <p14:creationId xmlns:p14="http://schemas.microsoft.com/office/powerpoint/2010/main" val="749803881"/>
-      </p:ext>
-    </p:extLst>
-  </p:cSld>
-  <p:clrMapOvr>
-    <a:masterClrMapping/>
-  </p:clrMapOvr>
-</p:sld>
-</file>
-
-<file path=ppt/slides/slide2.xml><?xml version="1.0" encoding="utf-8"?>
-<p:sld xmlns:a="http://schemas.openxmlformats.org/drawingml/2006/main" xmlns:r="http://schemas.openxmlformats.org/officeDocument/2006/relationships" xmlns:p="http://schemas.openxmlformats.org/presentationml/2006/main">
-  <p:cSld>
-    <p:bg>
-      <p:bgPr>
-        <a:solidFill>
-          <a:schemeClr val="accent3"/>
-        </a:solidFill>
-        <a:effectLst/>
-      </p:bgPr>
-    </p:bg>
-    <p:spTree>
-      <p:nvGrpSpPr>
-        <p:cNvPr id="1" name="Shape 285"/>
-        <p:cNvGrpSpPr/>
-        <p:nvPr/>
-      </p:nvGrpSpPr>
-      <p:grpSpPr>
-        <a:xfrm>
-          <a:off x="0" y="0"/>
-          <a:ext cx="0" cy="0"/>
-          <a:chOff x="0" y="0"/>
-          <a:chExt cx="0" cy="0"/>
-        </a:xfrm>
-      </p:grpSpPr>
-      <p:sp>
-        <p:nvSpPr>
-          <p:cNvPr id="286" name="Google Shape;286;p14"/>
-          <p:cNvSpPr txBox="1">
-            <a:spLocks noGrp="1"/>
-          </p:cNvSpPr>
-          <p:nvPr>
-            <p:ph type="title"/>
-          </p:nvPr>
-        </p:nvSpPr>
-        <p:spPr>
-          <a:prstGeom prst="rect">
-            <a:avLst/>
-          </a:prstGeom>
-        </p:spPr>
-        <p:txBody>
-          <a:bodyPr spcFirstLastPara="1" wrap="square" lIns="91425" tIns="91425" rIns="91425" bIns="91425" anchor="t" anchorCtr="0">
-            <a:noAutofit/>
-          </a:bodyPr>
-          <a:lstStyle/>
-          <a:p>
-            <a:pPr marL="0" lvl="0" indent="0" algn="l" rtl="0">
-              <a:spcBef>
-                <a:spcPts val="0"/>
-              </a:spcBef>
-              <a:spcAft>
-                <a:spcPts val="0"/>
-              </a:spcAft>
-              <a:buNone/>
-            </a:pPr>
-            <a:r>
-              <a:rPr lang="en" dirty="0">
-                <a:solidFill>
-                  <a:srgbClr val="FFFFFF"/>
-                </a:solidFill>
-              </a:rPr>
-              <a:t>Table of Contents</a:t>
-            </a:r>
-            <a:endParaRPr dirty="0">
-              <a:solidFill>
-                <a:srgbClr val="FFFFFF"/>
-              </a:solidFill>
-            </a:endParaRPr>
-          </a:p>
-        </p:txBody>
-      </p:sp>
-      <p:sp>
-        <p:nvSpPr>
-          <p:cNvPr id="287" name="Google Shape;287;p14"/>
-          <p:cNvSpPr txBox="1">
-            <a:spLocks noGrp="1"/>
-          </p:cNvSpPr>
-          <p:nvPr>
-            <p:ph type="body" idx="1"/>
-          </p:nvPr>
-        </p:nvSpPr>
-        <p:spPr>
-          <a:xfrm>
-            <a:off x="1303800" y="1163050"/>
-            <a:ext cx="7030500" cy="3355800"/>
-          </a:xfrm>
-          <a:prstGeom prst="rect">
-            <a:avLst/>
-          </a:prstGeom>
-        </p:spPr>
-        <p:txBody>
-          <a:bodyPr spcFirstLastPara="1" wrap="square" lIns="91425" tIns="91425" rIns="91425" bIns="91425" anchor="t" anchorCtr="0">
-            <a:noAutofit/>
-          </a:bodyPr>
-          <a:lstStyle/>
-          <a:p>
-            <a:pPr marL="457200" marR="0" lvl="0" indent="-342900" algn="l" rtl="0">
-              <a:lnSpc>
-                <a:spcPct val="115000"/>
-              </a:lnSpc>
-              <a:spcBef>
-                <a:spcPts val="0"/>
-              </a:spcBef>
-              <a:spcAft>
-                <a:spcPts val="0"/>
-              </a:spcAft>
-              <a:buClr>
-                <a:srgbClr val="FFFFFF"/>
-              </a:buClr>
-              <a:buSzPts val="1800"/>
-              <a:buFont typeface="Nunito"/>
-              <a:buAutoNum type="arabicPeriod"/>
-            </a:pPr>
-            <a:r>
-              <a:rPr lang="en" sz="1800" dirty="0">
-                <a:solidFill>
-                  <a:srgbClr val="FFFFFF"/>
-                </a:solidFill>
-              </a:rPr>
-              <a:t>Problem Statement</a:t>
-            </a:r>
-            <a:endParaRPr sz="1800" dirty="0">
-              <a:solidFill>
-                <a:srgbClr val="FFFFFF"/>
-              </a:solidFill>
-            </a:endParaRPr>
-          </a:p>
-          <a:p>
-            <a:pPr marL="914400" marR="0" lvl="1" indent="-317500" algn="l" rtl="0">
-              <a:lnSpc>
-                <a:spcPct val="115000"/>
-              </a:lnSpc>
-              <a:spcBef>
-                <a:spcPts val="0"/>
-              </a:spcBef>
-              <a:spcAft>
-                <a:spcPts val="0"/>
-              </a:spcAft>
-              <a:buClr>
-                <a:srgbClr val="FFFFFF"/>
-              </a:buClr>
-              <a:buSzPts val="1400"/>
-              <a:buFont typeface="Nunito"/>
-              <a:buAutoNum type="alphaLcPeriod"/>
-            </a:pPr>
-            <a:r>
-              <a:rPr lang="en" sz="1400" dirty="0">
-                <a:solidFill>
-                  <a:srgbClr val="FFFFFF"/>
-                </a:solidFill>
-              </a:rPr>
-              <a:t>Project Flow, Business &amp; Model Understanding</a:t>
-            </a:r>
-            <a:endParaRPr sz="1400" dirty="0">
-              <a:solidFill>
-                <a:srgbClr val="FFFFFF"/>
-              </a:solidFill>
-            </a:endParaRPr>
-          </a:p>
-          <a:p>
-            <a:pPr marL="457200" marR="0" lvl="0" indent="-342900" algn="l" rtl="0">
-              <a:lnSpc>
-                <a:spcPct val="115000"/>
-              </a:lnSpc>
-              <a:spcBef>
-                <a:spcPts val="0"/>
-              </a:spcBef>
-              <a:spcAft>
-                <a:spcPts val="0"/>
-              </a:spcAft>
-              <a:buClr>
-                <a:srgbClr val="FFFFFF"/>
-              </a:buClr>
-              <a:buSzPts val="1800"/>
-              <a:buFont typeface="Nunito"/>
-              <a:buAutoNum type="arabicPeriod"/>
-            </a:pPr>
-            <a:r>
-              <a:rPr lang="en" sz="1800" dirty="0">
-                <a:solidFill>
-                  <a:srgbClr val="FFFFFF"/>
-                </a:solidFill>
-              </a:rPr>
-              <a:t>Data Collection</a:t>
-            </a:r>
-            <a:endParaRPr sz="1800" dirty="0">
-              <a:solidFill>
-                <a:srgbClr val="FFFFFF"/>
-              </a:solidFill>
-            </a:endParaRPr>
-          </a:p>
-          <a:p>
-            <a:pPr marL="914400" marR="0" lvl="1" indent="-317500" algn="l" rtl="0">
-              <a:lnSpc>
-                <a:spcPct val="115000"/>
-              </a:lnSpc>
-              <a:spcBef>
-                <a:spcPts val="0"/>
-              </a:spcBef>
-              <a:spcAft>
-                <a:spcPts val="0"/>
-              </a:spcAft>
-              <a:buClr>
-                <a:srgbClr val="FFFFFF"/>
-              </a:buClr>
-              <a:buSzPts val="1400"/>
-              <a:buFont typeface="Nunito"/>
-              <a:buAutoNum type="alphaLcPeriod"/>
-            </a:pPr>
-            <a:r>
-              <a:rPr lang="en-CA" sz="1400" dirty="0">
-                <a:solidFill>
-                  <a:srgbClr val="FFFFFF"/>
-                </a:solidFill>
-              </a:rPr>
-              <a:t>Loan application data</a:t>
-            </a:r>
-            <a:endParaRPr sz="1400" dirty="0">
-              <a:solidFill>
-                <a:srgbClr val="FFFFFF"/>
-              </a:solidFill>
-            </a:endParaRPr>
-          </a:p>
-          <a:p>
-            <a:pPr marL="457200" marR="0" lvl="0" indent="-342900" algn="l" rtl="0">
-              <a:lnSpc>
-                <a:spcPct val="115000"/>
-              </a:lnSpc>
-              <a:spcBef>
-                <a:spcPts val="0"/>
-              </a:spcBef>
-              <a:spcAft>
-                <a:spcPts val="0"/>
-              </a:spcAft>
-              <a:buClr>
-                <a:srgbClr val="FFFFFF"/>
-              </a:buClr>
-              <a:buSzPts val="1800"/>
-              <a:buFont typeface="Nunito"/>
-              <a:buAutoNum type="arabicPeriod"/>
-            </a:pPr>
-            <a:r>
-              <a:rPr lang="en" sz="1800" dirty="0">
-                <a:solidFill>
-                  <a:srgbClr val="FFFFFF"/>
-                </a:solidFill>
-              </a:rPr>
-              <a:t>Exploratory Data Analysis</a:t>
-            </a:r>
-            <a:endParaRPr sz="1800" dirty="0">
-              <a:solidFill>
-                <a:srgbClr val="FFFFFF"/>
-              </a:solidFill>
-            </a:endParaRPr>
-          </a:p>
-          <a:p>
-            <a:pPr marL="914400" marR="0" lvl="1" indent="-317500" algn="l" rtl="0">
-              <a:lnSpc>
-                <a:spcPct val="115000"/>
-              </a:lnSpc>
-              <a:spcBef>
-                <a:spcPts val="0"/>
-              </a:spcBef>
-              <a:spcAft>
-                <a:spcPts val="0"/>
-              </a:spcAft>
-              <a:buClr>
-                <a:srgbClr val="FFFFFF"/>
-              </a:buClr>
-              <a:buSzPts val="1400"/>
-              <a:buAutoNum type="alphaLcPeriod"/>
-            </a:pPr>
-            <a:r>
-              <a:rPr lang="en-CA" sz="1400" dirty="0">
-                <a:solidFill>
-                  <a:srgbClr val="FFFFFF"/>
-                </a:solidFill>
-              </a:rPr>
-              <a:t>Correlated Variables</a:t>
-            </a:r>
-            <a:endParaRPr sz="1400" dirty="0">
-              <a:solidFill>
-                <a:srgbClr val="FFFFFF"/>
-              </a:solidFill>
-            </a:endParaRPr>
-          </a:p>
-          <a:p>
-            <a:pPr marL="457200" marR="0" lvl="0" indent="-342900" algn="l" rtl="0">
-              <a:lnSpc>
-                <a:spcPct val="115000"/>
-              </a:lnSpc>
-              <a:spcBef>
-                <a:spcPts val="0"/>
-              </a:spcBef>
-              <a:spcAft>
-                <a:spcPts val="0"/>
-              </a:spcAft>
-              <a:buClr>
-                <a:srgbClr val="FFFFFF"/>
-              </a:buClr>
-              <a:buSzPts val="1800"/>
-              <a:buFont typeface="Nunito"/>
-              <a:buAutoNum type="arabicPeriod"/>
-            </a:pPr>
-            <a:r>
-              <a:rPr lang="en" sz="1800" dirty="0">
-                <a:solidFill>
-                  <a:srgbClr val="FFFFFF"/>
-                </a:solidFill>
-              </a:rPr>
-              <a:t>Machine Learning Modelling</a:t>
-            </a:r>
-            <a:endParaRPr sz="1800" dirty="0">
-              <a:solidFill>
-                <a:srgbClr val="FFFFFF"/>
-              </a:solidFill>
-            </a:endParaRPr>
-          </a:p>
-          <a:p>
-            <a:pPr marL="914400" marR="0" lvl="1" indent="-317500" algn="l" rtl="0">
-              <a:lnSpc>
-                <a:spcPct val="115000"/>
-              </a:lnSpc>
-              <a:spcBef>
-                <a:spcPts val="0"/>
-              </a:spcBef>
-              <a:spcAft>
-                <a:spcPts val="0"/>
-              </a:spcAft>
-              <a:buClr>
-                <a:srgbClr val="FFFFFF"/>
-              </a:buClr>
-              <a:buSzPts val="1400"/>
-              <a:buAutoNum type="alphaLcPeriod"/>
-            </a:pPr>
-            <a:r>
-              <a:rPr lang="en-CA" sz="1400" dirty="0">
-                <a:solidFill>
-                  <a:srgbClr val="FFFFFF"/>
-                </a:solidFill>
-              </a:rPr>
-              <a:t>TensorFlow</a:t>
-            </a:r>
-          </a:p>
-          <a:p>
-            <a:pPr marL="914400" marR="0" lvl="1" indent="-317500" algn="l" rtl="0">
-              <a:lnSpc>
-                <a:spcPct val="115000"/>
-              </a:lnSpc>
-              <a:spcBef>
-                <a:spcPts val="0"/>
-              </a:spcBef>
-              <a:spcAft>
-                <a:spcPts val="0"/>
-              </a:spcAft>
-              <a:buClr>
-                <a:srgbClr val="FFFFFF"/>
-              </a:buClr>
-              <a:buSzPts val="1400"/>
-              <a:buAutoNum type="alphaLcPeriod"/>
-            </a:pPr>
-            <a:r>
-              <a:rPr lang="en-CA" sz="1400" dirty="0">
-                <a:solidFill>
-                  <a:srgbClr val="FFFFFF"/>
-                </a:solidFill>
-              </a:rPr>
-              <a:t>Random Forest</a:t>
-            </a:r>
-          </a:p>
-          <a:p>
-            <a:pPr marL="914400" marR="0" lvl="1" indent="-317500" algn="l" rtl="0">
-              <a:lnSpc>
-                <a:spcPct val="115000"/>
-              </a:lnSpc>
-              <a:spcBef>
-                <a:spcPts val="0"/>
-              </a:spcBef>
-              <a:spcAft>
-                <a:spcPts val="0"/>
-              </a:spcAft>
-              <a:buClr>
-                <a:srgbClr val="FFFFFF"/>
-              </a:buClr>
-              <a:buSzPts val="1400"/>
-              <a:buAutoNum type="alphaLcPeriod"/>
-            </a:pPr>
-            <a:r>
-              <a:rPr lang="en-CA" sz="1400" dirty="0">
-                <a:solidFill>
-                  <a:srgbClr val="FFFFFF"/>
-                </a:solidFill>
-              </a:rPr>
-              <a:t>GBM</a:t>
-            </a:r>
-          </a:p>
-          <a:p>
-            <a:pPr marL="914400" marR="0" lvl="1" indent="-317500" algn="l" rtl="0">
-              <a:lnSpc>
-                <a:spcPct val="115000"/>
-              </a:lnSpc>
-              <a:spcBef>
-                <a:spcPts val="0"/>
-              </a:spcBef>
-              <a:spcAft>
-                <a:spcPts val="0"/>
-              </a:spcAft>
-              <a:buClr>
-                <a:srgbClr val="FFFFFF"/>
-              </a:buClr>
-              <a:buSzPts val="1400"/>
-              <a:buAutoNum type="alphaLcPeriod"/>
-            </a:pPr>
-            <a:r>
-              <a:rPr lang="en-CA" sz="1400" dirty="0" err="1">
-                <a:solidFill>
-                  <a:srgbClr val="FFFFFF"/>
-                </a:solidFill>
-              </a:rPr>
-              <a:t>XGBoost</a:t>
-            </a:r>
-            <a:endParaRPr sz="1400" dirty="0">
-              <a:solidFill>
-                <a:srgbClr val="FFFFFF"/>
-              </a:solidFill>
-            </a:endParaRPr>
-          </a:p>
-          <a:p>
-            <a:pPr marL="457200" marR="0" lvl="0" indent="-342900" algn="l" rtl="0">
-              <a:lnSpc>
-                <a:spcPct val="115000"/>
-              </a:lnSpc>
-              <a:spcBef>
-                <a:spcPts val="0"/>
-              </a:spcBef>
-              <a:spcAft>
-                <a:spcPts val="0"/>
-              </a:spcAft>
-              <a:buClr>
-                <a:srgbClr val="FFFFFF"/>
-              </a:buClr>
-              <a:buSzPts val="1800"/>
-              <a:buFont typeface="Nunito"/>
-              <a:buAutoNum type="arabicPeriod"/>
-            </a:pPr>
-            <a:r>
-              <a:rPr lang="en" sz="1800" dirty="0">
-                <a:solidFill>
-                  <a:srgbClr val="FFFFFF"/>
-                </a:solidFill>
-              </a:rPr>
-              <a:t>Conclusion</a:t>
-            </a:r>
-            <a:br>
-              <a:rPr lang="en" sz="1800" dirty="0">
-                <a:solidFill>
-                  <a:srgbClr val="FFFFFF"/>
-                </a:solidFill>
-              </a:rPr>
-            </a:br>
-            <a:endParaRPr sz="1400" dirty="0">
-              <a:solidFill>
-                <a:srgbClr val="FFFFFF"/>
-              </a:solidFill>
-            </a:endParaRPr>
-          </a:p>
-          <a:p>
-            <a:pPr marL="0" lvl="0" indent="0" algn="l" rtl="0">
-              <a:spcBef>
-                <a:spcPts val="1600"/>
-              </a:spcBef>
-              <a:spcAft>
-                <a:spcPts val="1600"/>
-              </a:spcAft>
-              <a:buNone/>
-            </a:pPr>
-            <a:endParaRPr dirty="0">
-              <a:solidFill>
-                <a:srgbClr val="FFFFFF"/>
-              </a:solidFill>
-            </a:endParaRPr>
-          </a:p>
-        </p:txBody>
-      </p:sp>
-      <p:sp>
-        <p:nvSpPr>
-          <p:cNvPr id="288" name="Google Shape;288;p14"/>
-          <p:cNvSpPr txBox="1">
-            <a:spLocks noGrp="1"/>
-          </p:cNvSpPr>
-          <p:nvPr>
-            <p:ph type="sldNum" idx="12"/>
-          </p:nvPr>
-        </p:nvSpPr>
-        <p:spPr>
-          <a:prstGeom prst="rect">
-            <a:avLst/>
-          </a:prstGeom>
-        </p:spPr>
-        <p:txBody>
-          <a:bodyPr spcFirstLastPara="1" wrap="square" lIns="91425" tIns="91425" rIns="91425" bIns="91425" anchor="ctr" anchorCtr="0">
-            <a:noAutofit/>
-          </a:bodyPr>
-          <a:lstStyle/>
-          <a:p>
-            <a:pPr marL="0" lvl="0" indent="0" algn="r" rtl="0">
-              <a:spcBef>
-                <a:spcPts val="0"/>
-              </a:spcBef>
-              <a:spcAft>
-                <a:spcPts val="0"/>
-              </a:spcAft>
-              <a:buClr>
-                <a:srgbClr val="000000"/>
-              </a:buClr>
-              <a:buSzPts val="1100"/>
-              <a:buFont typeface="Arial"/>
-              <a:buNone/>
-            </a:pPr>
-            <a:fld id="{00000000-1234-1234-1234-123412341234}" type="slidenum">
-              <a:rPr lang="en">
-                <a:solidFill>
-                  <a:srgbClr val="FFFFFF"/>
-                </a:solidFill>
-              </a:rPr>
-              <a:t>2</a:t>
-            </a:fld>
-            <a:endParaRPr>
-              <a:solidFill>
-                <a:srgbClr val="FFFFFF"/>
-              </a:solidFill>
-            </a:endParaRPr>
-          </a:p>
-        </p:txBody>
-      </p:sp>
-    </p:spTree>
-  </p:cSld>
-  <p:clrMapOvr>
-    <a:masterClrMapping/>
-  </p:clrMapOvr>
-</p:sld>
-</file>
-
-<file path=ppt/slides/slide20.xml><?xml version="1.0" encoding="utf-8"?>
-<p:sld xmlns:a="http://schemas.openxmlformats.org/drawingml/2006/main" xmlns:r="http://schemas.openxmlformats.org/officeDocument/2006/relationships" xmlns:p="http://schemas.openxmlformats.org/presentationml/2006/main">
-  <p:cSld>
-    <p:bg>
-      <p:bgPr>
-        <a:solidFill>
-          <a:schemeClr val="accent3"/>
-        </a:solidFill>
-        <a:effectLst/>
-      </p:bgPr>
-    </p:bg>
-    <p:spTree>
-      <p:nvGrpSpPr>
-        <p:cNvPr id="1" name="Shape 529"/>
-        <p:cNvGrpSpPr/>
-        <p:nvPr/>
-      </p:nvGrpSpPr>
-      <p:grpSpPr>
-        <a:xfrm>
-          <a:off x="0" y="0"/>
-          <a:ext cx="0" cy="0"/>
-          <a:chOff x="0" y="0"/>
-          <a:chExt cx="0" cy="0"/>
-        </a:xfrm>
-      </p:grpSpPr>
-      <p:sp>
-        <p:nvSpPr>
-          <p:cNvPr id="530" name="Google Shape;530;p29"/>
-          <p:cNvSpPr txBox="1">
-            <a:spLocks noGrp="1"/>
-          </p:cNvSpPr>
-          <p:nvPr>
-            <p:ph type="sldNum" idx="12"/>
-          </p:nvPr>
-        </p:nvSpPr>
-        <p:spPr>
-          <a:prstGeom prst="rect">
-            <a:avLst/>
-          </a:prstGeom>
-        </p:spPr>
-        <p:txBody>
-          <a:bodyPr spcFirstLastPara="1" wrap="square" lIns="91425" tIns="91425" rIns="91425" bIns="91425" anchor="ctr" anchorCtr="0">
-            <a:noAutofit/>
-          </a:bodyPr>
-          <a:lstStyle/>
-          <a:p>
-            <a:pPr marL="0" lvl="0" indent="0" algn="r" rtl="0">
-              <a:spcBef>
-                <a:spcPts val="0"/>
-              </a:spcBef>
-              <a:spcAft>
-                <a:spcPts val="0"/>
-              </a:spcAft>
-              <a:buNone/>
-            </a:pPr>
-            <a:fld id="{00000000-1234-1234-1234-123412341234}" type="slidenum">
-              <a:rPr lang="en"/>
-              <a:t>20</a:t>
-            </a:fld>
-            <a:endParaRPr/>
-          </a:p>
-        </p:txBody>
-      </p:sp>
-      <p:sp>
-        <p:nvSpPr>
-          <p:cNvPr id="531" name="Google Shape;531;p29"/>
-          <p:cNvSpPr txBox="1"/>
-          <p:nvPr/>
-        </p:nvSpPr>
-        <p:spPr>
-          <a:xfrm>
-            <a:off x="555825" y="96325"/>
-            <a:ext cx="7030500" cy="999300"/>
-          </a:xfrm>
-          <a:prstGeom prst="rect">
-            <a:avLst/>
-          </a:prstGeom>
-          <a:noFill/>
-          <a:ln>
-            <a:noFill/>
-          </a:ln>
-        </p:spPr>
-        <p:txBody>
-          <a:bodyPr spcFirstLastPara="1" wrap="square" lIns="91425" tIns="91425" rIns="91425" bIns="91425" anchor="ctr" anchorCtr="0">
-            <a:noAutofit/>
-          </a:bodyPr>
-          <a:lstStyle/>
-          <a:p>
-            <a:pPr marL="0" lvl="0" indent="0" algn="l" rtl="0">
-              <a:spcBef>
-                <a:spcPts val="0"/>
-              </a:spcBef>
-              <a:spcAft>
-                <a:spcPts val="0"/>
-              </a:spcAft>
-              <a:buNone/>
-            </a:pPr>
-            <a:r>
-              <a:rPr lang="en" sz="3600" b="1" dirty="0">
-                <a:solidFill>
-                  <a:srgbClr val="FFFFFF"/>
-                </a:solidFill>
-                <a:latin typeface="Maven Pro"/>
-                <a:ea typeface="Maven Pro"/>
-                <a:cs typeface="Maven Pro"/>
-                <a:sym typeface="Maven Pro"/>
-              </a:rPr>
-              <a:t>Better FN/FP Ratio</a:t>
-            </a:r>
-            <a:endParaRPr sz="3600" b="1" dirty="0">
-              <a:solidFill>
-                <a:srgbClr val="FFFFFF"/>
-              </a:solidFill>
-              <a:latin typeface="Maven Pro"/>
-              <a:ea typeface="Maven Pro"/>
-              <a:cs typeface="Maven Pro"/>
-              <a:sym typeface="Maven Pro"/>
-            </a:endParaRPr>
-          </a:p>
-        </p:txBody>
-      </p:sp>
-      <p:sp>
-        <p:nvSpPr>
-          <p:cNvPr id="532" name="Google Shape;532;p29"/>
-          <p:cNvSpPr/>
-          <p:nvPr/>
-        </p:nvSpPr>
-        <p:spPr>
-          <a:xfrm>
-            <a:off x="6306093" y="1741714"/>
-            <a:ext cx="1640480" cy="1487715"/>
-          </a:xfrm>
-          <a:prstGeom prst="round2DiagRect">
-            <a:avLst>
-              <a:gd name="adj1" fmla="val 0"/>
-              <a:gd name="adj2" fmla="val 17764"/>
-            </a:avLst>
-          </a:prstGeom>
-          <a:solidFill>
-            <a:srgbClr val="666666"/>
-          </a:solidFill>
-          <a:ln>
-            <a:noFill/>
-          </a:ln>
-        </p:spPr>
-        <p:txBody>
-          <a:bodyPr spcFirstLastPara="1" wrap="square" lIns="91425" tIns="91425" rIns="91425" bIns="91425" anchor="ctr" anchorCtr="0">
-            <a:noAutofit/>
-          </a:bodyPr>
-          <a:lstStyle/>
-          <a:p>
-            <a:pPr marL="0" lvl="0" indent="0" algn="l" rtl="0">
-              <a:spcBef>
-                <a:spcPts val="0"/>
-              </a:spcBef>
-              <a:spcAft>
-                <a:spcPts val="0"/>
-              </a:spcAft>
-              <a:buNone/>
-            </a:pPr>
-            <a:r>
-              <a:rPr lang="en-CA" dirty="0">
-                <a:solidFill>
-                  <a:srgbClr val="FFFFFF"/>
-                </a:solidFill>
-              </a:rPr>
-              <a:t>Threshold = 0.2</a:t>
-            </a:r>
-          </a:p>
-          <a:p>
-            <a:pPr marL="0" lvl="0" indent="0" algn="l" rtl="0">
-              <a:spcBef>
-                <a:spcPts val="0"/>
-              </a:spcBef>
-              <a:spcAft>
-                <a:spcPts val="0"/>
-              </a:spcAft>
-              <a:buNone/>
-            </a:pPr>
-            <a:endParaRPr lang="en-CA" dirty="0">
-              <a:solidFill>
-                <a:srgbClr val="FFFFFF"/>
-              </a:solidFill>
-            </a:endParaRPr>
-          </a:p>
-          <a:p>
-            <a:pPr marL="0" lvl="0" indent="0" algn="l" rtl="0">
-              <a:spcBef>
-                <a:spcPts val="0"/>
-              </a:spcBef>
-              <a:spcAft>
-                <a:spcPts val="0"/>
-              </a:spcAft>
-              <a:buNone/>
-            </a:pPr>
-            <a:r>
-              <a:rPr lang="en-CA" dirty="0">
-                <a:solidFill>
-                  <a:srgbClr val="FFFFFF"/>
-                </a:solidFill>
-              </a:rPr>
-              <a:t>FN/FP = 6/5 %</a:t>
-            </a:r>
-            <a:endParaRPr dirty="0">
-              <a:solidFill>
-                <a:srgbClr val="FFFFFF"/>
-              </a:solidFill>
-            </a:endParaRPr>
-          </a:p>
-        </p:txBody>
-      </p:sp>
-      <p:pic>
-        <p:nvPicPr>
-          <p:cNvPr id="3" name="Picture 2" descr="A screenshot of a cell phone&#10;&#10;Description automatically generated">
-            <a:extLst>
-              <a:ext uri="{FF2B5EF4-FFF2-40B4-BE49-F238E27FC236}">
-                <a16:creationId xmlns:a16="http://schemas.microsoft.com/office/drawing/2014/main" id="{767E66B2-8C51-4431-8FDE-244E1AD29DB7}"/>
-              </a:ext>
-            </a:extLst>
-          </p:cNvPr>
-          <p:cNvPicPr>
-            <a:picLocks noChangeAspect="1"/>
-          </p:cNvPicPr>
-          <p:nvPr/>
-        </p:nvPicPr>
-        <p:blipFill rotWithShape="1">
-          <a:blip r:embed="rId3"/>
-          <a:srcRect l="6488" t="10017" r="14837" b="4057"/>
-          <a:stretch/>
-        </p:blipFill>
-        <p:spPr>
-          <a:xfrm>
-            <a:off x="555825" y="970338"/>
-            <a:ext cx="5663182" cy="3711026"/>
-          </a:xfrm>
-          <a:prstGeom prst="rect">
-            <a:avLst/>
-          </a:prstGeom>
-        </p:spPr>
-      </p:pic>
-    </p:spTree>
-    <p:extLst>
-      <p:ext uri="{BB962C8B-B14F-4D97-AF65-F5344CB8AC3E}">
-        <p14:creationId xmlns:p14="http://schemas.microsoft.com/office/powerpoint/2010/main" val="2225738671"/>
       </p:ext>
     </p:extLst>
   </p:cSld>
@@ -32592,8 +32843,31 @@
                   <a:cs typeface="Roboto"/>
                   <a:sym typeface="Roboto"/>
                 </a:rPr>
-                <a:t>XGBoost yielded best AUC score of 0.9812 with accuracy of 95.61%</a:t>
+                <a:t>GBM yielded best AUC score of 0.7541 which is 2.6% improvement over base model</a:t>
               </a:r>
+            </a:p>
+            <a:p>
+              <a:pPr marL="0" lvl="0" indent="0" algn="just" rtl="0">
+                <a:lnSpc>
+                  <a:spcPct val="115000"/>
+                </a:lnSpc>
+                <a:spcBef>
+                  <a:spcPts val="0"/>
+                </a:spcBef>
+                <a:spcAft>
+                  <a:spcPts val="1600"/>
+                </a:spcAft>
+                <a:buNone/>
+              </a:pPr>
+              <a:endParaRPr lang="en" sz="1100" dirty="0">
+                <a:solidFill>
+                  <a:srgbClr val="FFFFFF"/>
+                </a:solidFill>
+                <a:latin typeface="Roboto"/>
+                <a:ea typeface="Roboto"/>
+                <a:cs typeface="Roboto"/>
+                <a:sym typeface="Roboto"/>
+              </a:endParaRPr>
             </a:p>
             <a:p>
               <a:pPr marL="0" lvl="0" indent="0" algn="just" rtl="0">
@@ -32618,33 +32892,7 @@
                   <a:cs typeface="Roboto"/>
                   <a:sym typeface="Roboto"/>
                 </a:rPr>
-                <a:t>Real loan defaulter allowed to take loan vs non-defaulter blocking from taking loan are 6 and 5 %</a:t>
-              </a:r>
-            </a:p>
-            <a:p>
-              <a:pPr marL="0" lvl="0" indent="0" algn="just" rtl="0">
-                <a:lnSpc>
-                  <a:spcPct val="115000"/>
-                </a:lnSpc>
-                <a:spcBef>
-                  <a:spcPts val="0"/>
-                </a:spcBef>
-                <a:spcAft>
-                  <a:spcPts val="1600"/>
-                </a:spcAft>
-                <a:buNone/>
-              </a:pPr>
-              <a:r>
-                <a:rPr lang="en" sz="1100" dirty="0">
-                  <a:solidFill>
-                    <a:srgbClr val="FFFFFF"/>
-                  </a:solidFill>
-                  <a:latin typeface="Roboto"/>
-                  <a:ea typeface="Roboto"/>
-                  <a:cs typeface="Roboto"/>
-                  <a:sym typeface="Roboto"/>
-                </a:rPr>
-                <a:t>Important features are ‘Floor area’, ‘EXT_’ multiplicative terms</a:t>
+                <a:t>Low threshold of EXT_3_2, EXT_3_1, EXT_2_1 in the male clients are prone to becoming loan defaulters</a:t>
               </a:r>
             </a:p>
             <a:p>
@@ -32839,7 +33087,7 @@
                   <a:cs typeface="Roboto"/>
                   <a:sym typeface="Roboto"/>
                 </a:rPr>
-                <a:t>Hyperparameter optimized for Deep Neural net, Random Forest, GBM and XGBoost models</a:t>
+                <a:t>Hyperparameter optimized for Deep Neural net, Random Forest, GBM, XGBoost and Voting Classifier models</a:t>
               </a:r>
               <a:endParaRPr sz="1100" dirty="0">
                 <a:solidFill>
@@ -33111,7 +33359,7 @@
         </p:nvSpPr>
         <p:spPr>
           <a:xfrm>
-            <a:off x="3289206" y="2453020"/>
+            <a:off x="3328712" y="3099001"/>
             <a:ext cx="1853556" cy="684471"/>
           </a:xfrm>
           <a:prstGeom prst="rect">
@@ -33164,76 +33412,7 @@
                 <a:cs typeface="Roboto"/>
                 <a:sym typeface="Roboto"/>
               </a:rPr>
-              <a:t>eature importance was determined for tree based models</a:t>
-            </a:r>
-            <a:endParaRPr sz="1100" dirty="0">
-              <a:solidFill>
-                <a:srgbClr val="FFFFFF"/>
-              </a:solidFill>
-              <a:latin typeface="Roboto"/>
-              <a:ea typeface="Roboto"/>
-              <a:cs typeface="Roboto"/>
-              <a:sym typeface="Roboto"/>
-            </a:endParaRPr>
-          </a:p>
-        </p:txBody>
-      </p:sp>
-      <p:sp>
-        <p:nvSpPr>
-          <p:cNvPr id="19" name="Google Shape;571;p32">
-            <a:extLst>
-              <a:ext uri="{FF2B5EF4-FFF2-40B4-BE49-F238E27FC236}">
-                <a16:creationId xmlns:a16="http://schemas.microsoft.com/office/drawing/2014/main" id="{A856319B-2D16-456E-8D82-EC6891866BF0}"/>
-              </a:ext>
-            </a:extLst>
-          </p:cNvPr>
-          <p:cNvSpPr txBox="1"/>
-          <p:nvPr/>
-        </p:nvSpPr>
-        <p:spPr>
-          <a:xfrm>
-            <a:off x="3289206" y="3271408"/>
-            <a:ext cx="1853556" cy="1046592"/>
-          </a:xfrm>
-          <a:prstGeom prst="rect">
-            <a:avLst/>
-          </a:prstGeom>
-          <a:solidFill>
-            <a:schemeClr val="dk1"/>
-          </a:solidFill>
-          <a:ln>
-            <a:noFill/>
-          </a:ln>
-        </p:spPr>
-        <p:txBody>
-          <a:bodyPr spcFirstLastPara="1" wrap="square" lIns="91425" tIns="91425" rIns="91425" bIns="91425" anchor="t" anchorCtr="0">
-            <a:noAutofit/>
-          </a:bodyPr>
-          <a:lstStyle/>
-          <a:p>
-            <a:pPr marL="0" lvl="0" indent="0" algn="l" rtl="0">
-              <a:lnSpc>
-                <a:spcPct val="115000"/>
-              </a:lnSpc>
-              <a:spcBef>
-                <a:spcPts val="0"/>
-              </a:spcBef>
-              <a:spcAft>
-                <a:spcPts val="1600"/>
-              </a:spcAft>
-              <a:buNone/>
-            </a:pPr>
-            <a:r>
-              <a:rPr lang="en" sz="1100" dirty="0">
-                <a:solidFill>
-                  <a:srgbClr val="FFFFFF"/>
-                </a:solidFill>
-                <a:latin typeface="Roboto"/>
-                <a:ea typeface="Roboto"/>
-                <a:cs typeface="Roboto"/>
-                <a:sym typeface="Roboto"/>
-              </a:rPr>
-              <a:t>Probability threshold was tuned to get better confusion matrix distribution</a:t>
+              <a:t>eature importance and explainability was determined for tree based models</a:t>
             </a:r>
             <a:endParaRPr sz="1100" dirty="0">
               <a:solidFill>
@@ -33669,7 +33848,7 @@
           <p:nvPr>
             <p:extLst>
               <p:ext uri="{D42A27DB-BD31-4B8C-83A1-F6EECF244321}">
-                <p14:modId xmlns:p14="http://schemas.microsoft.com/office/powerpoint/2010/main" val="1349537930"/>
+                <p14:modId xmlns:p14="http://schemas.microsoft.com/office/powerpoint/2010/main" val="758069122"/>
               </p:ext>
             </p:extLst>
           </p:nvPr>
@@ -34082,7 +34261,7 @@
                           <a:latin typeface="Roboto" panose="020B0604020202020204" charset="0"/>
                           <a:ea typeface="Roboto" panose="020B0604020202020204" charset="0"/>
                         </a:rPr>
-                        <a:t>Automatic feature engineering</a:t>
+                        <a:t>Automatic feature engineering with additional dataset</a:t>
                       </a:r>
                     </a:p>
                   </a:txBody>
@@ -36056,7 +36235,23 @@
                   <a:schemeClr val="lt1"/>
                 </a:solidFill>
               </a:rPr>
-              <a:t>Adjusting threshold can yield better FN/FP ratio</a:t>
+              <a:t>Model training and </a:t>
+            </a:r>
+            <a:r>
+              <a:rPr lang="en-CA" sz="1200" dirty="0" err="1">
+                <a:solidFill>
+                  <a:schemeClr val="lt1"/>
+                </a:solidFill>
+              </a:rPr>
+              <a:t>Explainability</a:t>
+            </a:r>
+            <a:r>
+              <a:rPr lang="en-CA" sz="1200" dirty="0">
+                <a:solidFill>
+                  <a:schemeClr val="lt1"/>
+                </a:solidFill>
+              </a:rPr>
+              <a:t> can help identify and quantify important features</a:t>
             </a:r>
             <a:endParaRPr sz="1200" dirty="0">
               <a:solidFill>
